--- a/documentation/AI4Kids_presentation1_NPC.pptx
+++ b/documentation/AI4Kids_presentation1_NPC.pptx
@@ -21,30 +21,32 @@
     <p:sldId id="266" r:id="rId16"/>
     <p:sldId id="267" r:id="rId17"/>
     <p:sldId id="268" r:id="rId18"/>
+    <p:sldId id="269" r:id="rId19"/>
+    <p:sldId id="270" r:id="rId20"/>
   </p:sldIdLst>
   <p:sldSz cy="5143500" cx="9144000"/>
   <p:notesSz cx="6858000" cy="9144000"/>
   <p:embeddedFontLst>
     <p:embeddedFont>
       <p:font typeface="Roboto"/>
-      <p:regular r:id="rId19"/>
-      <p:bold r:id="rId20"/>
-      <p:italic r:id="rId21"/>
-      <p:boldItalic r:id="rId22"/>
+      <p:regular r:id="rId21"/>
+      <p:bold r:id="rId22"/>
+      <p:italic r:id="rId23"/>
+      <p:boldItalic r:id="rId24"/>
     </p:embeddedFont>
     <p:embeddedFont>
       <p:font typeface="Montserrat"/>
-      <p:regular r:id="rId23"/>
-      <p:bold r:id="rId24"/>
-      <p:italic r:id="rId25"/>
-      <p:boldItalic r:id="rId26"/>
+      <p:regular r:id="rId25"/>
+      <p:bold r:id="rId26"/>
+      <p:italic r:id="rId27"/>
+      <p:boldItalic r:id="rId28"/>
     </p:embeddedFont>
     <p:embeddedFont>
       <p:font typeface="Lato"/>
-      <p:regular r:id="rId27"/>
-      <p:bold r:id="rId28"/>
-      <p:italic r:id="rId29"/>
-      <p:boldItalic r:id="rId30"/>
+      <p:regular r:id="rId29"/>
+      <p:bold r:id="rId30"/>
+      <p:italic r:id="rId31"/>
+      <p:boldItalic r:id="rId32"/>
     </p:embeddedFont>
   </p:embeddedFontLst>
   <p:defaultTextStyle>
@@ -825,7 +827,7 @@
   <p:cSld>
     <p:spTree>
       <p:nvGrpSpPr>
-        <p:cNvPr id="195" name="Shape 195"/>
+        <p:cNvPr id="196" name="Shape 196"/>
         <p:cNvGrpSpPr/>
         <p:nvPr/>
       </p:nvGrpSpPr>
@@ -839,7 +841,7 @@
       </p:grpSpPr>
       <p:sp>
         <p:nvSpPr>
-          <p:cNvPr id="196" name="Google Shape;196;g12a23769bc1_2_8:notes"/>
+          <p:cNvPr id="197" name="Google Shape;197;g12a23769bc1_2_8:notes"/>
           <p:cNvSpPr/>
           <p:nvPr>
             <p:ph idx="2" type="sldImg"/>
@@ -874,7 +876,7 @@
       </p:sp>
       <p:sp>
         <p:nvSpPr>
-          <p:cNvPr id="197" name="Google Shape;197;g12a23769bc1_2_8:notes"/>
+          <p:cNvPr id="198" name="Google Shape;198;g12a23769bc1_2_8:notes"/>
           <p:cNvSpPr txBox="1"/>
           <p:nvPr>
             <p:ph idx="1" type="body"/>
@@ -924,7 +926,7 @@
   <p:cSld>
     <p:spTree>
       <p:nvGrpSpPr>
-        <p:cNvPr id="203" name="Shape 203"/>
+        <p:cNvPr id="204" name="Shape 204"/>
         <p:cNvGrpSpPr/>
         <p:nvPr/>
       </p:nvGrpSpPr>
@@ -938,7 +940,7 @@
       </p:grpSpPr>
       <p:sp>
         <p:nvSpPr>
-          <p:cNvPr id="204" name="Google Shape;204;gf3f1455947_0_149:notes"/>
+          <p:cNvPr id="205" name="Google Shape;205;g128ab560779_0_0:notes"/>
           <p:cNvSpPr/>
           <p:nvPr>
             <p:ph idx="2" type="sldImg"/>
@@ -973,7 +975,7 @@
       </p:sp>
       <p:sp>
         <p:nvSpPr>
-          <p:cNvPr id="205" name="Google Shape;205;gf3f1455947_0_149:notes"/>
+          <p:cNvPr id="206" name="Google Shape;206;g128ab560779_0_0:notes"/>
           <p:cNvSpPr txBox="1"/>
           <p:nvPr>
             <p:ph idx="1" type="body"/>
@@ -1023,7 +1025,7 @@
   <p:cSld>
     <p:spTree>
       <p:nvGrpSpPr>
-        <p:cNvPr id="209" name="Shape 209"/>
+        <p:cNvPr id="212" name="Shape 212"/>
         <p:cNvGrpSpPr/>
         <p:nvPr/>
       </p:nvGrpSpPr>
@@ -1037,7 +1039,7 @@
       </p:grpSpPr>
       <p:sp>
         <p:nvSpPr>
-          <p:cNvPr id="210" name="Google Shape;210;gf3f1455947_0_144:notes"/>
+          <p:cNvPr id="213" name="Google Shape;213;gf3f1455947_0_149:notes"/>
           <p:cNvSpPr/>
           <p:nvPr>
             <p:ph idx="2" type="sldImg"/>
@@ -1072,7 +1074,7 @@
       </p:sp>
       <p:sp>
         <p:nvSpPr>
-          <p:cNvPr id="211" name="Google Shape;211;gf3f1455947_0_144:notes"/>
+          <p:cNvPr id="214" name="Google Shape;214;gf3f1455947_0_149:notes"/>
           <p:cNvSpPr txBox="1"/>
           <p:nvPr>
             <p:ph idx="1" type="body"/>
@@ -1122,7 +1124,7 @@
   <p:cSld>
     <p:spTree>
       <p:nvGrpSpPr>
-        <p:cNvPr id="215" name="Shape 215"/>
+        <p:cNvPr id="218" name="Shape 218"/>
         <p:cNvGrpSpPr/>
         <p:nvPr/>
       </p:nvGrpSpPr>
@@ -1136,7 +1138,7 @@
       </p:grpSpPr>
       <p:sp>
         <p:nvSpPr>
-          <p:cNvPr id="216" name="Google Shape;216;gf3f1455947_0_154:notes"/>
+          <p:cNvPr id="219" name="Google Shape;219;gf3f1455947_0_144:notes"/>
           <p:cNvSpPr/>
           <p:nvPr>
             <p:ph idx="2" type="sldImg"/>
@@ -1171,7 +1173,205 @@
       </p:sp>
       <p:sp>
         <p:nvSpPr>
-          <p:cNvPr id="217" name="Google Shape;217;gf3f1455947_0_154:notes"/>
+          <p:cNvPr id="220" name="Google Shape;220;gf3f1455947_0_144:notes"/>
+          <p:cNvSpPr txBox="1"/>
+          <p:nvPr>
+            <p:ph idx="1" type="body"/>
+          </p:nvPr>
+        </p:nvSpPr>
+        <p:spPr>
+          <a:xfrm>
+            <a:off x="685800" y="4343400"/>
+            <a:ext cx="5486400" cy="4114800"/>
+          </a:xfrm>
+          <a:prstGeom prst="rect">
+            <a:avLst/>
+          </a:prstGeom>
+        </p:spPr>
+        <p:txBody>
+          <a:bodyPr anchorCtr="0" anchor="t" bIns="91425" lIns="91425" spcFirstLastPara="1" rIns="91425" wrap="square" tIns="91425">
+            <a:noAutofit/>
+          </a:bodyPr>
+          <a:lstStyle/>
+          <a:p>
+            <a:pPr indent="0" lvl="0" marL="0" rtl="0" algn="l">
+              <a:spcBef>
+                <a:spcPts val="0"/>
+              </a:spcBef>
+              <a:spcAft>
+                <a:spcPts val="0"/>
+              </a:spcAft>
+              <a:buNone/>
+            </a:pPr>
+            <a:r>
+              <a:t/>
+            </a:r>
+            <a:endParaRPr/>
+          </a:p>
+        </p:txBody>
+      </p:sp>
+    </p:spTree>
+  </p:cSld>
+  <p:clrMapOvr>
+    <a:masterClrMapping/>
+  </p:clrMapOvr>
+</p:notes>
+</file>
+
+<file path=ppt/notesSlides/notesSlide14.xml><?xml version="1.0" encoding="utf-8"?>
+<p:notes xmlns:a="http://schemas.openxmlformats.org/drawingml/2006/main" xmlns:r="http://schemas.openxmlformats.org/officeDocument/2006/relationships" xmlns:mc="http://schemas.openxmlformats.org/markup-compatibility/2006" xmlns:mv="urn:schemas-microsoft-com:mac:vml" xmlns:p="http://schemas.openxmlformats.org/presentationml/2006/main" xmlns:c="http://schemas.openxmlformats.org/drawingml/2006/chart" xmlns:dgm="http://schemas.openxmlformats.org/drawingml/2006/diagram" xmlns:o="urn:schemas-microsoft-com:office:office" xmlns:v="urn:schemas-microsoft-com:vml" xmlns:pvml="urn:schemas-microsoft-com:office:powerpoint" xmlns:com="http://schemas.openxmlformats.org/drawingml/2006/compatibility" xmlns:p14="http://schemas.microsoft.com/office/powerpoint/2010/main" xmlns:p15="http://schemas.microsoft.com/office/powerpoint/2012/main" xmlns:ahyp="http://schemas.microsoft.com/office/drawing/2018/hyperlinkcolor" showMasterPhAnim="0" showMasterSp="0">
+  <p:cSld>
+    <p:spTree>
+      <p:nvGrpSpPr>
+        <p:cNvPr id="224" name="Shape 224"/>
+        <p:cNvGrpSpPr/>
+        <p:nvPr/>
+      </p:nvGrpSpPr>
+      <p:grpSpPr>
+        <a:xfrm>
+          <a:off x="0" y="0"/>
+          <a:ext cx="0" cy="0"/>
+          <a:chOff x="0" y="0"/>
+          <a:chExt cx="0" cy="0"/>
+        </a:xfrm>
+      </p:grpSpPr>
+      <p:sp>
+        <p:nvSpPr>
+          <p:cNvPr id="225" name="Google Shape;225;gf3f1455947_0_154:notes"/>
+          <p:cNvSpPr/>
+          <p:nvPr>
+            <p:ph idx="2" type="sldImg"/>
+          </p:nvPr>
+        </p:nvSpPr>
+        <p:spPr>
+          <a:xfrm>
+            <a:off x="381300" y="685800"/>
+            <a:ext cx="6096000" cy="3429000"/>
+          </a:xfrm>
+          <a:custGeom>
+            <a:rect b="b" l="l" r="r" t="t"/>
+            <a:pathLst>
+              <a:path extrusionOk="0" h="120000" w="120000">
+                <a:moveTo>
+                  <a:pt x="0" y="0"/>
+                </a:moveTo>
+                <a:lnTo>
+                  <a:pt x="120000" y="0"/>
+                </a:lnTo>
+                <a:lnTo>
+                  <a:pt x="120000" y="120000"/>
+                </a:lnTo>
+                <a:lnTo>
+                  <a:pt x="0" y="120000"/>
+                </a:lnTo>
+                <a:close/>
+              </a:path>
+            </a:pathLst>
+          </a:custGeom>
+        </p:spPr>
+      </p:sp>
+      <p:sp>
+        <p:nvSpPr>
+          <p:cNvPr id="226" name="Google Shape;226;gf3f1455947_0_154:notes"/>
+          <p:cNvSpPr txBox="1"/>
+          <p:nvPr>
+            <p:ph idx="1" type="body"/>
+          </p:nvPr>
+        </p:nvSpPr>
+        <p:spPr>
+          <a:xfrm>
+            <a:off x="685800" y="4343400"/>
+            <a:ext cx="5486400" cy="4114800"/>
+          </a:xfrm>
+          <a:prstGeom prst="rect">
+            <a:avLst/>
+          </a:prstGeom>
+        </p:spPr>
+        <p:txBody>
+          <a:bodyPr anchorCtr="0" anchor="t" bIns="91425" lIns="91425" spcFirstLastPara="1" rIns="91425" wrap="square" tIns="91425">
+            <a:noAutofit/>
+          </a:bodyPr>
+          <a:lstStyle/>
+          <a:p>
+            <a:pPr indent="0" lvl="0" marL="0" rtl="0" algn="l">
+              <a:spcBef>
+                <a:spcPts val="0"/>
+              </a:spcBef>
+              <a:spcAft>
+                <a:spcPts val="0"/>
+              </a:spcAft>
+              <a:buNone/>
+            </a:pPr>
+            <a:r>
+              <a:t/>
+            </a:r>
+            <a:endParaRPr/>
+          </a:p>
+        </p:txBody>
+      </p:sp>
+    </p:spTree>
+  </p:cSld>
+  <p:clrMapOvr>
+    <a:masterClrMapping/>
+  </p:clrMapOvr>
+</p:notes>
+</file>
+
+<file path=ppt/notesSlides/notesSlide15.xml><?xml version="1.0" encoding="utf-8"?>
+<p:notes xmlns:a="http://schemas.openxmlformats.org/drawingml/2006/main" xmlns:r="http://schemas.openxmlformats.org/officeDocument/2006/relationships" xmlns:mc="http://schemas.openxmlformats.org/markup-compatibility/2006" xmlns:mv="urn:schemas-microsoft-com:mac:vml" xmlns:p="http://schemas.openxmlformats.org/presentationml/2006/main" xmlns:c="http://schemas.openxmlformats.org/drawingml/2006/chart" xmlns:dgm="http://schemas.openxmlformats.org/drawingml/2006/diagram" xmlns:o="urn:schemas-microsoft-com:office:office" xmlns:v="urn:schemas-microsoft-com:vml" xmlns:pvml="urn:schemas-microsoft-com:office:powerpoint" xmlns:com="http://schemas.openxmlformats.org/drawingml/2006/compatibility" xmlns:p14="http://schemas.microsoft.com/office/powerpoint/2010/main" xmlns:p15="http://schemas.microsoft.com/office/powerpoint/2012/main" xmlns:ahyp="http://schemas.microsoft.com/office/drawing/2018/hyperlinkcolor" showMasterPhAnim="0" showMasterSp="0">
+  <p:cSld>
+    <p:spTree>
+      <p:nvGrpSpPr>
+        <p:cNvPr id="230" name="Shape 230"/>
+        <p:cNvGrpSpPr/>
+        <p:nvPr/>
+      </p:nvGrpSpPr>
+      <p:grpSpPr>
+        <a:xfrm>
+          <a:off x="0" y="0"/>
+          <a:ext cx="0" cy="0"/>
+          <a:chOff x="0" y="0"/>
+          <a:chExt cx="0" cy="0"/>
+        </a:xfrm>
+      </p:grpSpPr>
+      <p:sp>
+        <p:nvSpPr>
+          <p:cNvPr id="231" name="Google Shape;231;g12ae3c476dd_0_0:notes"/>
+          <p:cNvSpPr/>
+          <p:nvPr>
+            <p:ph idx="2" type="sldImg"/>
+          </p:nvPr>
+        </p:nvSpPr>
+        <p:spPr>
+          <a:xfrm>
+            <a:off x="381300" y="685800"/>
+            <a:ext cx="6096000" cy="3429000"/>
+          </a:xfrm>
+          <a:custGeom>
+            <a:rect b="b" l="l" r="r" t="t"/>
+            <a:pathLst>
+              <a:path extrusionOk="0" h="120000" w="120000">
+                <a:moveTo>
+                  <a:pt x="0" y="0"/>
+                </a:moveTo>
+                <a:lnTo>
+                  <a:pt x="120000" y="0"/>
+                </a:lnTo>
+                <a:lnTo>
+                  <a:pt x="120000" y="120000"/>
+                </a:lnTo>
+                <a:lnTo>
+                  <a:pt x="0" y="120000"/>
+                </a:lnTo>
+                <a:close/>
+              </a:path>
+            </a:pathLst>
+          </a:custGeom>
+        </p:spPr>
+      </p:sp>
+      <p:sp>
+        <p:nvSpPr>
+          <p:cNvPr id="232" name="Google Shape;232;g12ae3c476dd_0_0:notes"/>
           <p:cNvSpPr txBox="1"/>
           <p:nvPr>
             <p:ph idx="1" type="body"/>
@@ -1419,7 +1619,7 @@
   <p:cSld>
     <p:spTree>
       <p:nvGrpSpPr>
-        <p:cNvPr id="150" name="Shape 150"/>
+        <p:cNvPr id="151" name="Shape 151"/>
         <p:cNvGrpSpPr/>
         <p:nvPr/>
       </p:nvGrpSpPr>
@@ -1433,7 +1633,7 @@
       </p:grpSpPr>
       <p:sp>
         <p:nvSpPr>
-          <p:cNvPr id="151" name="Google Shape;151;gf3f1455947_0_136:notes"/>
+          <p:cNvPr id="152" name="Google Shape;152;gf3f1455947_0_136:notes"/>
           <p:cNvSpPr/>
           <p:nvPr>
             <p:ph idx="2" type="sldImg"/>
@@ -1468,7 +1668,7 @@
       </p:sp>
       <p:sp>
         <p:nvSpPr>
-          <p:cNvPr id="152" name="Google Shape;152;gf3f1455947_0_136:notes"/>
+          <p:cNvPr id="153" name="Google Shape;153;gf3f1455947_0_136:notes"/>
           <p:cNvSpPr txBox="1"/>
           <p:nvPr>
             <p:ph idx="1" type="body"/>
@@ -1518,7 +1718,7 @@
   <p:cSld>
     <p:spTree>
       <p:nvGrpSpPr>
-        <p:cNvPr id="156" name="Shape 156"/>
+        <p:cNvPr id="157" name="Shape 157"/>
         <p:cNvGrpSpPr/>
         <p:nvPr/>
       </p:nvGrpSpPr>
@@ -1532,7 +1732,7 @@
       </p:grpSpPr>
       <p:sp>
         <p:nvSpPr>
-          <p:cNvPr id="157" name="Google Shape;157;g12a23769bc1_1_0:notes"/>
+          <p:cNvPr id="158" name="Google Shape;158;g12a23769bc1_1_0:notes"/>
           <p:cNvSpPr/>
           <p:nvPr>
             <p:ph idx="2" type="sldImg"/>
@@ -1567,7 +1767,7 @@
       </p:sp>
       <p:sp>
         <p:nvSpPr>
-          <p:cNvPr id="158" name="Google Shape;158;g12a23769bc1_1_0:notes"/>
+          <p:cNvPr id="159" name="Google Shape;159;g12a23769bc1_1_0:notes"/>
           <p:cNvSpPr txBox="1"/>
           <p:nvPr>
             <p:ph idx="1" type="body"/>
@@ -1617,7 +1817,7 @@
   <p:cSld>
     <p:spTree>
       <p:nvGrpSpPr>
-        <p:cNvPr id="163" name="Shape 163"/>
+        <p:cNvPr id="164" name="Shape 164"/>
         <p:cNvGrpSpPr/>
         <p:nvPr/>
       </p:nvGrpSpPr>
@@ -1631,7 +1831,7 @@
       </p:grpSpPr>
       <p:sp>
         <p:nvSpPr>
-          <p:cNvPr id="164" name="Google Shape;164;g12a23769bc1_1_19:notes"/>
+          <p:cNvPr id="165" name="Google Shape;165;g12a23769bc1_1_19:notes"/>
           <p:cNvSpPr/>
           <p:nvPr>
             <p:ph idx="2" type="sldImg"/>
@@ -1666,7 +1866,7 @@
       </p:sp>
       <p:sp>
         <p:nvSpPr>
-          <p:cNvPr id="165" name="Google Shape;165;g12a23769bc1_1_19:notes"/>
+          <p:cNvPr id="166" name="Google Shape;166;g12a23769bc1_1_19:notes"/>
           <p:cNvSpPr txBox="1"/>
           <p:nvPr>
             <p:ph idx="1" type="body"/>
@@ -1716,7 +1916,7 @@
   <p:cSld>
     <p:spTree>
       <p:nvGrpSpPr>
-        <p:cNvPr id="170" name="Shape 170"/>
+        <p:cNvPr id="171" name="Shape 171"/>
         <p:cNvGrpSpPr/>
         <p:nvPr/>
       </p:nvGrpSpPr>
@@ -1730,7 +1930,7 @@
       </p:grpSpPr>
       <p:sp>
         <p:nvSpPr>
-          <p:cNvPr id="171" name="Google Shape;171;g12a23769bc1_1_7:notes"/>
+          <p:cNvPr id="172" name="Google Shape;172;g12a23769bc1_1_7:notes"/>
           <p:cNvSpPr/>
           <p:nvPr>
             <p:ph idx="2" type="sldImg"/>
@@ -1765,7 +1965,7 @@
       </p:sp>
       <p:sp>
         <p:nvSpPr>
-          <p:cNvPr id="172" name="Google Shape;172;g12a23769bc1_1_7:notes"/>
+          <p:cNvPr id="173" name="Google Shape;173;g12a23769bc1_1_7:notes"/>
           <p:cNvSpPr txBox="1"/>
           <p:nvPr>
             <p:ph idx="1" type="body"/>
@@ -1815,7 +2015,7 @@
   <p:cSld>
     <p:spTree>
       <p:nvGrpSpPr>
-        <p:cNvPr id="177" name="Shape 177"/>
+        <p:cNvPr id="178" name="Shape 178"/>
         <p:cNvGrpSpPr/>
         <p:nvPr/>
       </p:nvGrpSpPr>
@@ -1829,7 +2029,7 @@
       </p:grpSpPr>
       <p:sp>
         <p:nvSpPr>
-          <p:cNvPr id="178" name="Google Shape;178;g12a23769bc1_1_13:notes"/>
+          <p:cNvPr id="179" name="Google Shape;179;g12a23769bc1_1_13:notes"/>
           <p:cNvSpPr/>
           <p:nvPr>
             <p:ph idx="2" type="sldImg"/>
@@ -1864,7 +2064,7 @@
       </p:sp>
       <p:sp>
         <p:nvSpPr>
-          <p:cNvPr id="179" name="Google Shape;179;g12a23769bc1_1_13:notes"/>
+          <p:cNvPr id="180" name="Google Shape;180;g12a23769bc1_1_13:notes"/>
           <p:cNvSpPr txBox="1"/>
           <p:nvPr>
             <p:ph idx="1" type="body"/>
@@ -1914,7 +2114,7 @@
   <p:cSld>
     <p:spTree>
       <p:nvGrpSpPr>
-        <p:cNvPr id="186" name="Shape 186"/>
+        <p:cNvPr id="187" name="Shape 187"/>
         <p:cNvGrpSpPr/>
         <p:nvPr/>
       </p:nvGrpSpPr>
@@ -1928,7 +2128,7 @@
       </p:grpSpPr>
       <p:sp>
         <p:nvSpPr>
-          <p:cNvPr id="187" name="Google Shape;187;g12a23769bc1_1_30:notes"/>
+          <p:cNvPr id="188" name="Google Shape;188;g12a23769bc1_1_30:notes"/>
           <p:cNvSpPr/>
           <p:nvPr>
             <p:ph idx="2" type="sldImg"/>
@@ -1963,7 +2163,7 @@
       </p:sp>
       <p:sp>
         <p:nvSpPr>
-          <p:cNvPr id="188" name="Google Shape;188;g12a23769bc1_1_30:notes"/>
+          <p:cNvPr id="189" name="Google Shape;189;g12a23769bc1_1_30:notes"/>
           <p:cNvSpPr txBox="1"/>
           <p:nvPr>
             <p:ph idx="1" type="body"/>
@@ -10368,7 +10568,7 @@
   <p:cSld>
     <p:spTree>
       <p:nvGrpSpPr>
-        <p:cNvPr id="198" name="Shape 198"/>
+        <p:cNvPr id="199" name="Shape 199"/>
         <p:cNvGrpSpPr/>
         <p:nvPr/>
       </p:nvGrpSpPr>
@@ -10382,7 +10582,7 @@
       </p:grpSpPr>
       <p:sp>
         <p:nvSpPr>
-          <p:cNvPr id="199" name="Google Shape;199;p22"/>
+          <p:cNvPr id="200" name="Google Shape;200;p22"/>
           <p:cNvSpPr txBox="1"/>
           <p:nvPr>
             <p:ph type="title"/>
@@ -10422,7 +10622,7 @@
       </p:sp>
       <p:sp>
         <p:nvSpPr>
-          <p:cNvPr id="200" name="Google Shape;200;p22"/>
+          <p:cNvPr id="201" name="Google Shape;201;p22"/>
           <p:cNvSpPr txBox="1"/>
           <p:nvPr>
             <p:ph idx="1" type="body"/>
@@ -10551,7 +10751,7 @@
             </a:pPr>
             <a:r>
               <a:rPr lang="de"/>
-              <a:t>Nun steht und NMS zur Verfügung</a:t>
+              <a:t>Nun steht uns NMS zur Verfügung</a:t>
             </a:r>
             <a:endParaRPr/>
           </a:p>
@@ -10559,7 +10759,7 @@
       </p:sp>
       <p:pic>
         <p:nvPicPr>
-          <p:cNvPr id="201" name="Google Shape;201;p22"/>
+          <p:cNvPr id="202" name="Google Shape;202;p22"/>
           <p:cNvPicPr preferRelativeResize="0"/>
           <p:nvPr/>
         </p:nvPicPr>
@@ -10587,7 +10787,7 @@
       </p:pic>
       <p:cxnSp>
         <p:nvCxnSpPr>
-          <p:cNvPr id="202" name="Google Shape;202;p22"/>
+          <p:cNvPr id="203" name="Google Shape;203;p22"/>
           <p:cNvCxnSpPr/>
           <p:nvPr/>
         </p:nvCxnSpPr>
@@ -10624,7 +10824,7 @@
   <p:cSld>
     <p:spTree>
       <p:nvGrpSpPr>
-        <p:cNvPr id="206" name="Shape 206"/>
+        <p:cNvPr id="207" name="Shape 207"/>
         <p:cNvGrpSpPr/>
         <p:nvPr/>
       </p:nvGrpSpPr>
@@ -10638,7 +10838,7 @@
       </p:grpSpPr>
       <p:sp>
         <p:nvSpPr>
-          <p:cNvPr id="207" name="Google Shape;207;p23"/>
+          <p:cNvPr id="208" name="Google Shape;208;p23"/>
           <p:cNvSpPr txBox="1"/>
           <p:nvPr>
             <p:ph type="title"/>
@@ -10670,7 +10870,11 @@
             </a:pPr>
             <a:r>
               <a:rPr lang="de"/>
-              <a:t>Klasse NPC</a:t>
+              <a:t>Command </a:t>
+            </a:r>
+            <a:r>
+              <a:rPr lang="de"/>
+              <a:t>registrieren</a:t>
             </a:r>
             <a:endParaRPr/>
           </a:p>
@@ -10678,7 +10882,7 @@
       </p:sp>
       <p:sp>
         <p:nvSpPr>
-          <p:cNvPr id="208" name="Google Shape;208;p23"/>
+          <p:cNvPr id="209" name="Google Shape;209;p23"/>
           <p:cNvSpPr txBox="1"/>
           <p:nvPr>
             <p:ph idx="1" type="body"/>
@@ -10711,42 +10915,350 @@
             </a:pPr>
             <a:r>
               <a:rPr lang="de"/>
-              <a:t>Wir legen eine Klasse NPC an</a:t>
+              <a:t>Unter resources plugin.yml bearbeiten</a:t>
             </a:r>
             <a:endParaRPr/>
           </a:p>
           <a:p>
-            <a:pPr indent="-298450" lvl="1" marL="914400" rtl="0" algn="l">
-              <a:spcBef>
-                <a:spcPts val="0"/>
-              </a:spcBef>
-              <a:spcAft>
-                <a:spcPts val="0"/>
-              </a:spcAft>
-              <a:buSzPts val="1100"/>
-              <a:buChar char="○"/>
-            </a:pPr>
-            <a:r>
-              <a:rPr lang="de"/>
-              <a:t>Diese repräsentiert den NPC</a:t>
-            </a:r>
-            <a:endParaRPr/>
-          </a:p>
-          <a:p>
-            <a:pPr indent="-311150" lvl="0" marL="457200" rtl="0" algn="l">
-              <a:spcBef>
-                <a:spcPts val="0"/>
-              </a:spcBef>
-              <a:spcAft>
-                <a:spcPts val="0"/>
-              </a:spcAft>
-              <a:buSzPts val="1300"/>
-              <a:buChar char="●"/>
+            <a:pPr indent="0" lvl="0" marL="0" rtl="0" algn="l">
+              <a:spcBef>
+                <a:spcPts val="1200"/>
+              </a:spcBef>
+              <a:spcAft>
+                <a:spcPts val="0"/>
+              </a:spcAft>
+              <a:buNone/>
             </a:pPr>
             <a:r>
               <a:t/>
             </a:r>
             <a:endParaRPr/>
+          </a:p>
+          <a:p>
+            <a:pPr indent="0" lvl="0" marL="0" rtl="0" algn="l">
+              <a:spcBef>
+                <a:spcPts val="1200"/>
+              </a:spcBef>
+              <a:spcAft>
+                <a:spcPts val="0"/>
+              </a:spcAft>
+              <a:buNone/>
+            </a:pPr>
+            <a:r>
+              <a:rPr lang="de" sz="1100">
+                <a:solidFill>
+                  <a:srgbClr val="CC7832"/>
+                </a:solidFill>
+                <a:highlight>
+                  <a:srgbClr val="2B2B2B"/>
+                </a:highlight>
+                <a:latin typeface="Courier New"/>
+                <a:ea typeface="Courier New"/>
+                <a:cs typeface="Courier New"/>
+                <a:sym typeface="Courier New"/>
+              </a:rPr>
+              <a:t>main</a:t>
+            </a:r>
+            <a:r>
+              <a:rPr lang="de" sz="1100">
+                <a:solidFill>
+                  <a:srgbClr val="A9B7C6"/>
+                </a:solidFill>
+                <a:highlight>
+                  <a:srgbClr val="2B2B2B"/>
+                </a:highlight>
+                <a:latin typeface="Courier New"/>
+                <a:ea typeface="Courier New"/>
+                <a:cs typeface="Courier New"/>
+                <a:sym typeface="Courier New"/>
+              </a:rPr>
+              <a:t>: me.ai4kids.npcplugin.Main</a:t>
+            </a:r>
+            <a:endParaRPr sz="1100">
+              <a:solidFill>
+                <a:srgbClr val="A9B7C6"/>
+              </a:solidFill>
+              <a:highlight>
+                <a:srgbClr val="2B2B2B"/>
+              </a:highlight>
+              <a:latin typeface="Courier New"/>
+              <a:ea typeface="Courier New"/>
+              <a:cs typeface="Courier New"/>
+              <a:sym typeface="Courier New"/>
+            </a:endParaRPr>
+          </a:p>
+          <a:p>
+            <a:pPr indent="0" lvl="0" marL="0" rtl="0" algn="l">
+              <a:spcBef>
+                <a:spcPts val="1200"/>
+              </a:spcBef>
+              <a:spcAft>
+                <a:spcPts val="0"/>
+              </a:spcAft>
+              <a:buNone/>
+            </a:pPr>
+            <a:r>
+              <a:rPr lang="de" sz="1100">
+                <a:solidFill>
+                  <a:srgbClr val="CC7832"/>
+                </a:solidFill>
+                <a:highlight>
+                  <a:srgbClr val="2B2B2B"/>
+                </a:highlight>
+                <a:latin typeface="Courier New"/>
+                <a:ea typeface="Courier New"/>
+                <a:cs typeface="Courier New"/>
+                <a:sym typeface="Courier New"/>
+              </a:rPr>
+              <a:t>name</a:t>
+            </a:r>
+            <a:r>
+              <a:rPr lang="de" sz="1100">
+                <a:solidFill>
+                  <a:srgbClr val="A9B7C6"/>
+                </a:solidFill>
+                <a:highlight>
+                  <a:srgbClr val="2B2B2B"/>
+                </a:highlight>
+                <a:latin typeface="Courier New"/>
+                <a:ea typeface="Courier New"/>
+                <a:cs typeface="Courier New"/>
+                <a:sym typeface="Courier New"/>
+              </a:rPr>
+              <a:t>: NPCPlugin</a:t>
+            </a:r>
+            <a:endParaRPr sz="1100">
+              <a:solidFill>
+                <a:srgbClr val="A9B7C6"/>
+              </a:solidFill>
+              <a:highlight>
+                <a:srgbClr val="2B2B2B"/>
+              </a:highlight>
+              <a:latin typeface="Courier New"/>
+              <a:ea typeface="Courier New"/>
+              <a:cs typeface="Courier New"/>
+              <a:sym typeface="Courier New"/>
+            </a:endParaRPr>
+          </a:p>
+          <a:p>
+            <a:pPr indent="0" lvl="0" marL="0" rtl="0" algn="l">
+              <a:spcBef>
+                <a:spcPts val="1200"/>
+              </a:spcBef>
+              <a:spcAft>
+                <a:spcPts val="0"/>
+              </a:spcAft>
+              <a:buNone/>
+            </a:pPr>
+            <a:r>
+              <a:rPr lang="de" sz="1100">
+                <a:solidFill>
+                  <a:srgbClr val="CC7832"/>
+                </a:solidFill>
+                <a:highlight>
+                  <a:srgbClr val="2B2B2B"/>
+                </a:highlight>
+                <a:latin typeface="Courier New"/>
+                <a:ea typeface="Courier New"/>
+                <a:cs typeface="Courier New"/>
+                <a:sym typeface="Courier New"/>
+              </a:rPr>
+              <a:t>commands</a:t>
+            </a:r>
+            <a:r>
+              <a:rPr lang="de" sz="1100">
+                <a:solidFill>
+                  <a:srgbClr val="A9B7C6"/>
+                </a:solidFill>
+                <a:highlight>
+                  <a:srgbClr val="2B2B2B"/>
+                </a:highlight>
+                <a:latin typeface="Courier New"/>
+                <a:ea typeface="Courier New"/>
+                <a:cs typeface="Courier New"/>
+                <a:sym typeface="Courier New"/>
+              </a:rPr>
+              <a:t>:</a:t>
+            </a:r>
+            <a:endParaRPr sz="1100">
+              <a:solidFill>
+                <a:srgbClr val="A9B7C6"/>
+              </a:solidFill>
+              <a:highlight>
+                <a:srgbClr val="2B2B2B"/>
+              </a:highlight>
+              <a:latin typeface="Courier New"/>
+              <a:ea typeface="Courier New"/>
+              <a:cs typeface="Courier New"/>
+              <a:sym typeface="Courier New"/>
+            </a:endParaRPr>
+          </a:p>
+          <a:p>
+            <a:pPr indent="0" lvl="0" marL="0" rtl="0" algn="l">
+              <a:spcBef>
+                <a:spcPts val="1200"/>
+              </a:spcBef>
+              <a:spcAft>
+                <a:spcPts val="0"/>
+              </a:spcAft>
+              <a:buNone/>
+            </a:pPr>
+            <a:r>
+              <a:rPr lang="de" sz="1100">
+                <a:solidFill>
+                  <a:srgbClr val="A9B7C6"/>
+                </a:solidFill>
+                <a:highlight>
+                  <a:srgbClr val="2B2B2B"/>
+                </a:highlight>
+                <a:latin typeface="Courier New"/>
+                <a:ea typeface="Courier New"/>
+                <a:cs typeface="Courier New"/>
+                <a:sym typeface="Courier New"/>
+              </a:rPr>
+              <a:t> </a:t>
+            </a:r>
+            <a:r>
+              <a:rPr lang="de" sz="1100">
+                <a:solidFill>
+                  <a:srgbClr val="CC7832"/>
+                </a:solidFill>
+                <a:highlight>
+                  <a:srgbClr val="2B2B2B"/>
+                </a:highlight>
+                <a:latin typeface="Courier New"/>
+                <a:ea typeface="Courier New"/>
+                <a:cs typeface="Courier New"/>
+                <a:sym typeface="Courier New"/>
+              </a:rPr>
+              <a:t>createnpc</a:t>
+            </a:r>
+            <a:r>
+              <a:rPr lang="de" sz="1100">
+                <a:solidFill>
+                  <a:srgbClr val="A9B7C6"/>
+                </a:solidFill>
+                <a:highlight>
+                  <a:srgbClr val="2B2B2B"/>
+                </a:highlight>
+                <a:latin typeface="Courier New"/>
+                <a:ea typeface="Courier New"/>
+                <a:cs typeface="Courier New"/>
+                <a:sym typeface="Courier New"/>
+              </a:rPr>
+              <a:t>:</a:t>
+            </a:r>
+            <a:endParaRPr sz="1100">
+              <a:solidFill>
+                <a:srgbClr val="A9B7C6"/>
+              </a:solidFill>
+              <a:highlight>
+                <a:srgbClr val="2B2B2B"/>
+              </a:highlight>
+              <a:latin typeface="Courier New"/>
+              <a:ea typeface="Courier New"/>
+              <a:cs typeface="Courier New"/>
+              <a:sym typeface="Courier New"/>
+            </a:endParaRPr>
+          </a:p>
+          <a:p>
+            <a:pPr indent="0" lvl="0" marL="0" rtl="0" algn="l">
+              <a:spcBef>
+                <a:spcPts val="1200"/>
+              </a:spcBef>
+              <a:spcAft>
+                <a:spcPts val="1200"/>
+              </a:spcAft>
+              <a:buNone/>
+            </a:pPr>
+            <a:r>
+              <a:t/>
+            </a:r>
+            <a:endParaRPr/>
+          </a:p>
+        </p:txBody>
+      </p:sp>
+      <p:cxnSp>
+        <p:nvCxnSpPr>
+          <p:cNvPr id="210" name="Google Shape;210;p23"/>
+          <p:cNvCxnSpPr/>
+          <p:nvPr/>
+        </p:nvCxnSpPr>
+        <p:spPr>
+          <a:xfrm rot="10800000">
+            <a:off x="2147600" y="3762025"/>
+            <a:ext cx="383100" cy="446700"/>
+          </a:xfrm>
+          <a:prstGeom prst="straightConnector1">
+            <a:avLst/>
+          </a:prstGeom>
+          <a:noFill/>
+          <a:ln cap="flat" cmpd="sng" w="9525">
+            <a:solidFill>
+              <a:schemeClr val="dk2"/>
+            </a:solidFill>
+            <a:prstDash val="solid"/>
+            <a:round/>
+            <a:headEnd len="med" w="med" type="none"/>
+            <a:tailEnd len="med" w="med" type="triangle"/>
+          </a:ln>
+        </p:spPr>
+      </p:cxnSp>
+      <p:sp>
+        <p:nvSpPr>
+          <p:cNvPr id="211" name="Google Shape;211;p23"/>
+          <p:cNvSpPr txBox="1"/>
+          <p:nvPr/>
+        </p:nvSpPr>
+        <p:spPr>
+          <a:xfrm>
+            <a:off x="1988100" y="4254350"/>
+            <a:ext cx="2626500" cy="615600"/>
+          </a:xfrm>
+          <a:prstGeom prst="rect">
+            <a:avLst/>
+          </a:prstGeom>
+          <a:noFill/>
+          <a:ln>
+            <a:noFill/>
+          </a:ln>
+        </p:spPr>
+        <p:txBody>
+          <a:bodyPr anchorCtr="0" anchor="t" bIns="91425" lIns="91425" spcFirstLastPara="1" rIns="91425" wrap="square" tIns="91425">
+            <a:spAutoFit/>
+          </a:bodyPr>
+          <a:lstStyle/>
+          <a:p>
+            <a:pPr indent="0" lvl="0" marL="0" rtl="0" algn="l">
+              <a:spcBef>
+                <a:spcPts val="0"/>
+              </a:spcBef>
+              <a:spcAft>
+                <a:spcPts val="0"/>
+              </a:spcAft>
+              <a:buNone/>
+            </a:pPr>
+            <a:r>
+              <a:rPr lang="de">
+                <a:solidFill>
+                  <a:schemeClr val="lt1"/>
+                </a:solidFill>
+                <a:latin typeface="Lato"/>
+                <a:ea typeface="Lato"/>
+                <a:cs typeface="Lato"/>
+                <a:sym typeface="Lato"/>
+              </a:rPr>
+              <a:t>Einrückung beachten (1 mal Tab)</a:t>
+            </a:r>
+            <a:endParaRPr>
+              <a:solidFill>
+                <a:schemeClr val="lt1"/>
+              </a:solidFill>
+              <a:latin typeface="Lato"/>
+              <a:ea typeface="Lato"/>
+              <a:cs typeface="Lato"/>
+              <a:sym typeface="Lato"/>
+            </a:endParaRPr>
           </a:p>
         </p:txBody>
       </p:sp>
@@ -10763,7 +11275,7 @@
   <p:cSld>
     <p:spTree>
       <p:nvGrpSpPr>
-        <p:cNvPr id="212" name="Shape 212"/>
+        <p:cNvPr id="215" name="Shape 215"/>
         <p:cNvGrpSpPr/>
         <p:nvPr/>
       </p:nvGrpSpPr>
@@ -10777,7 +11289,7 @@
       </p:grpSpPr>
       <p:sp>
         <p:nvSpPr>
-          <p:cNvPr id="213" name="Google Shape;213;p24"/>
+          <p:cNvPr id="216" name="Google Shape;216;p24"/>
           <p:cNvSpPr txBox="1"/>
           <p:nvPr>
             <p:ph type="title"/>
@@ -10809,7 +11321,7 @@
             </a:pPr>
             <a:r>
               <a:rPr lang="de"/>
-              <a:t>Klasse Main</a:t>
+              <a:t>Klasse NPC</a:t>
             </a:r>
             <a:endParaRPr/>
           </a:p>
@@ -10817,7 +11329,7 @@
       </p:sp>
       <p:sp>
         <p:nvSpPr>
-          <p:cNvPr id="214" name="Google Shape;214;p24"/>
+          <p:cNvPr id="217" name="Google Shape;217;p24"/>
           <p:cNvSpPr txBox="1"/>
           <p:nvPr>
             <p:ph idx="1" type="body"/>
@@ -10850,7 +11362,56 @@
             </a:pPr>
             <a:r>
               <a:rPr lang="de"/>
-              <a:t>Die Main Klasse ist unsere Einstiegspunkt</a:t>
+              <a:t>Wir legen eine Klasse NPC an</a:t>
+            </a:r>
+            <a:endParaRPr/>
+          </a:p>
+          <a:p>
+            <a:pPr indent="-298450" lvl="1" marL="914400" rtl="0" algn="l">
+              <a:spcBef>
+                <a:spcPts val="0"/>
+              </a:spcBef>
+              <a:spcAft>
+                <a:spcPts val="0"/>
+              </a:spcAft>
+              <a:buSzPts val="1100"/>
+              <a:buChar char="○"/>
+            </a:pPr>
+            <a:r>
+              <a:rPr lang="de"/>
+              <a:t>Diese repräsentiert den NPC</a:t>
+            </a:r>
+            <a:endParaRPr/>
+          </a:p>
+          <a:p>
+            <a:pPr indent="0" lvl="0" marL="0" rtl="0" algn="l">
+              <a:spcBef>
+                <a:spcPts val="1200"/>
+              </a:spcBef>
+              <a:spcAft>
+                <a:spcPts val="0"/>
+              </a:spcAft>
+              <a:buNone/>
+            </a:pPr>
+            <a:r>
+              <a:t/>
+            </a:r>
+            <a:endParaRPr/>
+          </a:p>
+          <a:p>
+            <a:pPr indent="-311150" lvl="0" marL="457200" rtl="0" algn="l">
+              <a:spcBef>
+                <a:spcPts val="1200"/>
+              </a:spcBef>
+              <a:spcAft>
+                <a:spcPts val="0"/>
+              </a:spcAft>
+              <a:buSzPts val="1300"/>
+              <a:buChar char="●"/>
+            </a:pPr>
+            <a:r>
+              <a:rPr lang="de"/>
+              <a:t>Was für Eigenschaften hat ein NPC/Spieler?</a:t>
             </a:r>
             <a:endParaRPr/>
           </a:p>
@@ -10869,7 +11430,7 @@
   <p:cSld>
     <p:spTree>
       <p:nvGrpSpPr>
-        <p:cNvPr id="218" name="Shape 218"/>
+        <p:cNvPr id="221" name="Shape 221"/>
         <p:cNvGrpSpPr/>
         <p:nvPr/>
       </p:nvGrpSpPr>
@@ -10883,7 +11444,7 @@
       </p:grpSpPr>
       <p:sp>
         <p:nvSpPr>
-          <p:cNvPr id="219" name="Google Shape;219;p25"/>
+          <p:cNvPr id="222" name="Google Shape;222;p25"/>
           <p:cNvSpPr txBox="1"/>
           <p:nvPr>
             <p:ph type="title"/>
@@ -10915,7 +11476,7 @@
             </a:pPr>
             <a:r>
               <a:rPr lang="de"/>
-              <a:t>Klasse Join</a:t>
+              <a:t>Klasse Main</a:t>
             </a:r>
             <a:endParaRPr/>
           </a:p>
@@ -10923,7 +11484,7 @@
       </p:sp>
       <p:sp>
         <p:nvSpPr>
-          <p:cNvPr id="220" name="Google Shape;220;p25"/>
+          <p:cNvPr id="223" name="Google Shape;223;p25"/>
           <p:cNvSpPr txBox="1"/>
           <p:nvPr>
             <p:ph idx="1" type="body"/>
@@ -10944,17 +11505,342 @@
           </a:bodyPr>
           <a:lstStyle/>
           <a:p>
+            <a:pPr indent="-311150" lvl="0" marL="457200" rtl="0" algn="l">
+              <a:spcBef>
+                <a:spcPts val="0"/>
+              </a:spcBef>
+              <a:spcAft>
+                <a:spcPts val="0"/>
+              </a:spcAft>
+              <a:buSzPts val="1300"/>
+              <a:buChar char="●"/>
+            </a:pPr>
+            <a:r>
+              <a:rPr lang="de"/>
+              <a:t>Die Main Klasse ist unsere Einstiegspunkt</a:t>
+            </a:r>
+            <a:endParaRPr/>
+          </a:p>
+          <a:p>
             <a:pPr indent="0" lvl="0" marL="0" rtl="0" algn="l">
               <a:spcBef>
-                <a:spcPts val="0"/>
-              </a:spcBef>
-              <a:spcAft>
                 <a:spcPts val="1200"/>
+              </a:spcBef>
+              <a:spcAft>
+                <a:spcPts val="0"/>
               </a:spcAft>
               <a:buNone/>
             </a:pPr>
             <a:r>
               <a:t/>
+            </a:r>
+            <a:endParaRPr/>
+          </a:p>
+          <a:p>
+            <a:pPr indent="-311150" lvl="0" marL="457200" rtl="0" algn="l">
+              <a:spcBef>
+                <a:spcPts val="1200"/>
+              </a:spcBef>
+              <a:spcAft>
+                <a:spcPts val="0"/>
+              </a:spcAft>
+              <a:buSzPts val="1300"/>
+              <a:buChar char="●"/>
+            </a:pPr>
+            <a:r>
+              <a:rPr lang="de"/>
+              <a:t>Was wurde noch in der Main Klasse gemacht?</a:t>
+            </a:r>
+            <a:endParaRPr/>
+          </a:p>
+        </p:txBody>
+      </p:sp>
+    </p:spTree>
+  </p:cSld>
+  <p:clrMapOvr>
+    <a:masterClrMapping/>
+  </p:clrMapOvr>
+</p:sld>
+</file>
+
+<file path=ppt/slides/slide14.xml><?xml version="1.0" encoding="utf-8"?>
+<p:sld xmlns:a="http://schemas.openxmlformats.org/drawingml/2006/main" xmlns:r="http://schemas.openxmlformats.org/officeDocument/2006/relationships" xmlns:mc="http://schemas.openxmlformats.org/markup-compatibility/2006" xmlns:mv="urn:schemas-microsoft-com:mac:vml" xmlns:p="http://schemas.openxmlformats.org/presentationml/2006/main" xmlns:c="http://schemas.openxmlformats.org/drawingml/2006/chart" xmlns:dgm="http://schemas.openxmlformats.org/drawingml/2006/diagram" xmlns:o="urn:schemas-microsoft-com:office:office" xmlns:v="urn:schemas-microsoft-com:vml" xmlns:pvml="urn:schemas-microsoft-com:office:powerpoint" xmlns:com="http://schemas.openxmlformats.org/drawingml/2006/compatibility" xmlns:p14="http://schemas.microsoft.com/office/powerpoint/2010/main" xmlns:p15="http://schemas.microsoft.com/office/powerpoint/2012/main" xmlns:ahyp="http://schemas.microsoft.com/office/drawing/2018/hyperlinkcolor">
+  <p:cSld>
+    <p:spTree>
+      <p:nvGrpSpPr>
+        <p:cNvPr id="227" name="Shape 227"/>
+        <p:cNvGrpSpPr/>
+        <p:nvPr/>
+      </p:nvGrpSpPr>
+      <p:grpSpPr>
+        <a:xfrm>
+          <a:off x="0" y="0"/>
+          <a:ext cx="0" cy="0"/>
+          <a:chOff x="0" y="0"/>
+          <a:chExt cx="0" cy="0"/>
+        </a:xfrm>
+      </p:grpSpPr>
+      <p:sp>
+        <p:nvSpPr>
+          <p:cNvPr id="228" name="Google Shape;228;p26"/>
+          <p:cNvSpPr txBox="1"/>
+          <p:nvPr>
+            <p:ph type="title"/>
+          </p:nvPr>
+        </p:nvSpPr>
+        <p:spPr>
+          <a:xfrm>
+            <a:off x="1297500" y="393750"/>
+            <a:ext cx="7038900" cy="914100"/>
+          </a:xfrm>
+          <a:prstGeom prst="rect">
+            <a:avLst/>
+          </a:prstGeom>
+        </p:spPr>
+        <p:txBody>
+          <a:bodyPr anchorCtr="0" anchor="t" bIns="91425" lIns="91425" spcFirstLastPara="1" rIns="91425" wrap="square" tIns="91425">
+            <a:normAutofit/>
+          </a:bodyPr>
+          <a:lstStyle/>
+          <a:p>
+            <a:pPr indent="0" lvl="0" marL="0" rtl="0" algn="l">
+              <a:spcBef>
+                <a:spcPts val="0"/>
+              </a:spcBef>
+              <a:spcAft>
+                <a:spcPts val="0"/>
+              </a:spcAft>
+              <a:buNone/>
+            </a:pPr>
+            <a:r>
+              <a:rPr lang="de"/>
+              <a:t>Klasse Join</a:t>
+            </a:r>
+            <a:endParaRPr/>
+          </a:p>
+        </p:txBody>
+      </p:sp>
+      <p:sp>
+        <p:nvSpPr>
+          <p:cNvPr id="229" name="Google Shape;229;p26"/>
+          <p:cNvSpPr txBox="1"/>
+          <p:nvPr>
+            <p:ph idx="1" type="body"/>
+          </p:nvPr>
+        </p:nvSpPr>
+        <p:spPr>
+          <a:xfrm>
+            <a:off x="1297500" y="1567550"/>
+            <a:ext cx="7038900" cy="2911200"/>
+          </a:xfrm>
+          <a:prstGeom prst="rect">
+            <a:avLst/>
+          </a:prstGeom>
+        </p:spPr>
+        <p:txBody>
+          <a:bodyPr anchorCtr="0" anchor="t" bIns="91425" lIns="91425" spcFirstLastPara="1" rIns="91425" wrap="square" tIns="91425">
+            <a:normAutofit/>
+          </a:bodyPr>
+          <a:lstStyle/>
+          <a:p>
+            <a:pPr indent="-311150" lvl="0" marL="457200" rtl="0" algn="l">
+              <a:spcBef>
+                <a:spcPts val="0"/>
+              </a:spcBef>
+              <a:spcAft>
+                <a:spcPts val="0"/>
+              </a:spcAft>
+              <a:buSzPts val="1300"/>
+              <a:buChar char="●"/>
+            </a:pPr>
+            <a:r>
+              <a:rPr lang="de"/>
+              <a:t>Diese Klasse ist nötig um den Server zu sagen was passiert bei einem neuen Spieler</a:t>
+            </a:r>
+            <a:endParaRPr/>
+          </a:p>
+          <a:p>
+            <a:pPr indent="0" lvl="0" marL="0" rtl="0" algn="l">
+              <a:spcBef>
+                <a:spcPts val="1200"/>
+              </a:spcBef>
+              <a:spcAft>
+                <a:spcPts val="0"/>
+              </a:spcAft>
+              <a:buNone/>
+            </a:pPr>
+            <a:r>
+              <a:t/>
+            </a:r>
+            <a:endParaRPr/>
+          </a:p>
+          <a:p>
+            <a:pPr indent="-311150" lvl="0" marL="457200" rtl="0" algn="l">
+              <a:spcBef>
+                <a:spcPts val="1200"/>
+              </a:spcBef>
+              <a:spcAft>
+                <a:spcPts val="0"/>
+              </a:spcAft>
+              <a:buSzPts val="1300"/>
+              <a:buChar char="●"/>
+            </a:pPr>
+            <a:r>
+              <a:rPr lang="de"/>
+              <a:t>Was muss man dem Server mitteilen?</a:t>
+            </a:r>
+            <a:endParaRPr/>
+          </a:p>
+        </p:txBody>
+      </p:sp>
+    </p:spTree>
+  </p:cSld>
+  <p:clrMapOvr>
+    <a:masterClrMapping/>
+  </p:clrMapOvr>
+</p:sld>
+</file>
+
+<file path=ppt/slides/slide15.xml><?xml version="1.0" encoding="utf-8"?>
+<p:sld xmlns:a="http://schemas.openxmlformats.org/drawingml/2006/main" xmlns:r="http://schemas.openxmlformats.org/officeDocument/2006/relationships" xmlns:mc="http://schemas.openxmlformats.org/markup-compatibility/2006" xmlns:mv="urn:schemas-microsoft-com:mac:vml" xmlns:p="http://schemas.openxmlformats.org/presentationml/2006/main" xmlns:c="http://schemas.openxmlformats.org/drawingml/2006/chart" xmlns:dgm="http://schemas.openxmlformats.org/drawingml/2006/diagram" xmlns:o="urn:schemas-microsoft-com:office:office" xmlns:v="urn:schemas-microsoft-com:vml" xmlns:pvml="urn:schemas-microsoft-com:office:powerpoint" xmlns:com="http://schemas.openxmlformats.org/drawingml/2006/compatibility" xmlns:p14="http://schemas.microsoft.com/office/powerpoint/2010/main" xmlns:p15="http://schemas.microsoft.com/office/powerpoint/2012/main" xmlns:ahyp="http://schemas.microsoft.com/office/drawing/2018/hyperlinkcolor">
+  <p:cSld>
+    <p:spTree>
+      <p:nvGrpSpPr>
+        <p:cNvPr id="233" name="Shape 233"/>
+        <p:cNvGrpSpPr/>
+        <p:nvPr/>
+      </p:nvGrpSpPr>
+      <p:grpSpPr>
+        <a:xfrm>
+          <a:off x="0" y="0"/>
+          <a:ext cx="0" cy="0"/>
+          <a:chOff x="0" y="0"/>
+          <a:chExt cx="0" cy="0"/>
+        </a:xfrm>
+      </p:grpSpPr>
+      <p:sp>
+        <p:nvSpPr>
+          <p:cNvPr id="234" name="Google Shape;234;p27"/>
+          <p:cNvSpPr txBox="1"/>
+          <p:nvPr>
+            <p:ph type="title"/>
+          </p:nvPr>
+        </p:nvSpPr>
+        <p:spPr>
+          <a:xfrm>
+            <a:off x="1297500" y="393750"/>
+            <a:ext cx="7038900" cy="914100"/>
+          </a:xfrm>
+          <a:prstGeom prst="rect">
+            <a:avLst/>
+          </a:prstGeom>
+        </p:spPr>
+        <p:txBody>
+          <a:bodyPr anchorCtr="0" anchor="t" bIns="91425" lIns="91425" spcFirstLastPara="1" rIns="91425" wrap="square" tIns="91425">
+            <a:normAutofit/>
+          </a:bodyPr>
+          <a:lstStyle/>
+          <a:p>
+            <a:pPr indent="0" lvl="0" marL="0" rtl="0" algn="l">
+              <a:spcBef>
+                <a:spcPts val="0"/>
+              </a:spcBef>
+              <a:spcAft>
+                <a:spcPts val="0"/>
+              </a:spcAft>
+              <a:buNone/>
+            </a:pPr>
+            <a:r>
+              <a:rPr lang="de"/>
+              <a:t>Mein Code mit Kommentaren </a:t>
+            </a:r>
+            <a:endParaRPr/>
+          </a:p>
+        </p:txBody>
+      </p:sp>
+      <p:sp>
+        <p:nvSpPr>
+          <p:cNvPr id="235" name="Google Shape;235;p27"/>
+          <p:cNvSpPr txBox="1"/>
+          <p:nvPr>
+            <p:ph idx="1" type="body"/>
+          </p:nvPr>
+        </p:nvSpPr>
+        <p:spPr>
+          <a:xfrm>
+            <a:off x="1297500" y="1567550"/>
+            <a:ext cx="7038900" cy="2911200"/>
+          </a:xfrm>
+          <a:prstGeom prst="rect">
+            <a:avLst/>
+          </a:prstGeom>
+        </p:spPr>
+        <p:txBody>
+          <a:bodyPr anchorCtr="0" anchor="t" bIns="91425" lIns="91425" spcFirstLastPara="1" rIns="91425" wrap="square" tIns="91425">
+            <a:normAutofit/>
+          </a:bodyPr>
+          <a:lstStyle/>
+          <a:p>
+            <a:pPr indent="-311150" lvl="0" marL="457200" rtl="0" algn="l">
+              <a:spcBef>
+                <a:spcPts val="0"/>
+              </a:spcBef>
+              <a:spcAft>
+                <a:spcPts val="0"/>
+              </a:spcAft>
+              <a:buSzPts val="1300"/>
+              <a:buChar char="●"/>
+            </a:pPr>
+            <a:r>
+              <a:rPr lang="de"/>
+              <a:t>Diesen könnt Ihr euch nach der Veranstaltung anschauen/runterladen</a:t>
+            </a:r>
+            <a:endParaRPr/>
+          </a:p>
+          <a:p>
+            <a:pPr indent="0" lvl="0" marL="457200" rtl="0" algn="l">
+              <a:spcBef>
+                <a:spcPts val="1200"/>
+              </a:spcBef>
+              <a:spcAft>
+                <a:spcPts val="0"/>
+              </a:spcAft>
+              <a:buNone/>
+            </a:pPr>
+            <a:r>
+              <a:t/>
+            </a:r>
+            <a:endParaRPr/>
+          </a:p>
+          <a:p>
+            <a:pPr indent="0" lvl="0" marL="457200" rtl="0" algn="l">
+              <a:spcBef>
+                <a:spcPts val="1200"/>
+              </a:spcBef>
+              <a:spcAft>
+                <a:spcPts val="0"/>
+              </a:spcAft>
+              <a:buNone/>
+            </a:pPr>
+            <a:r>
+              <a:t/>
+            </a:r>
+            <a:endParaRPr/>
+          </a:p>
+          <a:p>
+            <a:pPr indent="-311150" lvl="0" marL="457200" rtl="0" algn="l">
+              <a:spcBef>
+                <a:spcPts val="1200"/>
+              </a:spcBef>
+              <a:spcAft>
+                <a:spcPts val="0"/>
+              </a:spcAft>
+              <a:buSzPts val="1300"/>
+              <a:buChar char="●"/>
+            </a:pPr>
+            <a:r>
+              <a:rPr lang="de"/>
+              <a:t>https://github.com/Andreas-FHE/NPCPlugin</a:t>
             </a:r>
             <a:endParaRPr/>
           </a:p>
@@ -11457,8 +12343,73 @@
           <a:ln>
             <a:noFill/>
           </a:ln>
+          <a:effectLst>
+            <a:outerShdw blurRad="57150" rotWithShape="0" algn="bl" dir="5400000" dist="19050">
+              <a:schemeClr val="lt1">
+                <a:alpha val="50000"/>
+              </a:schemeClr>
+            </a:outerShdw>
+          </a:effectLst>
         </p:spPr>
       </p:pic>
+      <p:sp>
+        <p:nvSpPr>
+          <p:cNvPr id="150" name="Google Shape;150;p15"/>
+          <p:cNvSpPr txBox="1"/>
+          <p:nvPr/>
+        </p:nvSpPr>
+        <p:spPr>
+          <a:xfrm>
+            <a:off x="5150725" y="4164450"/>
+            <a:ext cx="3482100" cy="400200"/>
+          </a:xfrm>
+          <a:prstGeom prst="rect">
+            <a:avLst/>
+          </a:prstGeom>
+          <a:noFill/>
+          <a:ln>
+            <a:noFill/>
+          </a:ln>
+        </p:spPr>
+        <p:txBody>
+          <a:bodyPr anchorCtr="0" anchor="t" bIns="91425" lIns="91425" spcFirstLastPara="1" rIns="91425" wrap="square" tIns="91425">
+            <a:spAutoFit/>
+          </a:bodyPr>
+          <a:lstStyle/>
+          <a:p>
+            <a:pPr indent="0" lvl="0" marL="0" rtl="0" algn="l">
+              <a:spcBef>
+                <a:spcPts val="0"/>
+              </a:spcBef>
+              <a:spcAft>
+                <a:spcPts val="0"/>
+              </a:spcAft>
+              <a:buNone/>
+            </a:pPr>
+            <a:r>
+              <a:rPr lang="de">
+                <a:solidFill>
+                  <a:schemeClr val="lt1"/>
+                </a:solidFill>
+                <a:latin typeface="Lato"/>
+                <a:ea typeface="Lato"/>
+                <a:cs typeface="Lato"/>
+                <a:sym typeface="Lato"/>
+              </a:rPr>
+              <a:t>https://www.mixelpixel.net/beitrag/5</a:t>
+            </a:r>
+            <a:endParaRPr>
+              <a:solidFill>
+                <a:schemeClr val="lt1"/>
+              </a:solidFill>
+              <a:latin typeface="Lato"/>
+              <a:ea typeface="Lato"/>
+              <a:cs typeface="Lato"/>
+              <a:sym typeface="Lato"/>
+            </a:endParaRPr>
+          </a:p>
+        </p:txBody>
+      </p:sp>
     </p:spTree>
   </p:cSld>
   <p:clrMapOvr>
@@ -11555,7 +12506,7 @@
   <p:cSld>
     <p:spTree>
       <p:nvGrpSpPr>
-        <p:cNvPr id="153" name="Shape 153"/>
+        <p:cNvPr id="154" name="Shape 154"/>
         <p:cNvGrpSpPr/>
         <p:nvPr/>
       </p:nvGrpSpPr>
@@ -11569,7 +12520,7 @@
       </p:grpSpPr>
       <p:sp>
         <p:nvSpPr>
-          <p:cNvPr id="154" name="Google Shape;154;p16"/>
+          <p:cNvPr id="155" name="Google Shape;155;p16"/>
           <p:cNvSpPr txBox="1"/>
           <p:nvPr>
             <p:ph type="title"/>
@@ -11609,7 +12560,7 @@
       </p:sp>
       <p:sp>
         <p:nvSpPr>
-          <p:cNvPr id="155" name="Google Shape;155;p16"/>
+          <p:cNvPr id="156" name="Google Shape;156;p16"/>
           <p:cNvSpPr txBox="1"/>
           <p:nvPr>
             <p:ph idx="1" type="body"/>
@@ -11831,7 +12782,7 @@
   <p:cSld>
     <p:spTree>
       <p:nvGrpSpPr>
-        <p:cNvPr id="159" name="Shape 159"/>
+        <p:cNvPr id="160" name="Shape 160"/>
         <p:cNvGrpSpPr/>
         <p:nvPr/>
       </p:nvGrpSpPr>
@@ -11845,7 +12796,7 @@
       </p:grpSpPr>
       <p:sp>
         <p:nvSpPr>
-          <p:cNvPr id="160" name="Google Shape;160;p17"/>
+          <p:cNvPr id="161" name="Google Shape;161;p17"/>
           <p:cNvSpPr txBox="1"/>
           <p:nvPr>
             <p:ph type="title"/>
@@ -11885,7 +12836,7 @@
       </p:sp>
       <p:sp>
         <p:nvSpPr>
-          <p:cNvPr id="161" name="Google Shape;161;p17"/>
+          <p:cNvPr id="162" name="Google Shape;162;p17"/>
           <p:cNvSpPr txBox="1"/>
           <p:nvPr>
             <p:ph idx="1" type="body"/>
@@ -11924,7 +12875,7 @@
       </p:sp>
       <p:pic>
         <p:nvPicPr>
-          <p:cNvPr id="162" name="Google Shape;162;p17"/>
+          <p:cNvPr id="163" name="Google Shape;163;p17"/>
           <p:cNvPicPr preferRelativeResize="0"/>
           <p:nvPr/>
         </p:nvPicPr>
@@ -11963,7 +12914,7 @@
   <p:cSld>
     <p:spTree>
       <p:nvGrpSpPr>
-        <p:cNvPr id="166" name="Shape 166"/>
+        <p:cNvPr id="167" name="Shape 167"/>
         <p:cNvGrpSpPr/>
         <p:nvPr/>
       </p:nvGrpSpPr>
@@ -11977,7 +12928,7 @@
       </p:grpSpPr>
       <p:sp>
         <p:nvSpPr>
-          <p:cNvPr id="167" name="Google Shape;167;p18"/>
+          <p:cNvPr id="168" name="Google Shape;168;p18"/>
           <p:cNvSpPr txBox="1"/>
           <p:nvPr>
             <p:ph type="title"/>
@@ -12016,7 +12967,7 @@
       </p:sp>
       <p:sp>
         <p:nvSpPr>
-          <p:cNvPr id="168" name="Google Shape;168;p18"/>
+          <p:cNvPr id="169" name="Google Shape;169;p18"/>
           <p:cNvSpPr txBox="1"/>
           <p:nvPr>
             <p:ph idx="1" type="body"/>
@@ -12055,7 +13006,7 @@
       </p:sp>
       <p:pic>
         <p:nvPicPr>
-          <p:cNvPr id="169" name="Google Shape;169;p18"/>
+          <p:cNvPr id="170" name="Google Shape;170;p18"/>
           <p:cNvPicPr preferRelativeResize="0"/>
           <p:nvPr/>
         </p:nvPicPr>
@@ -12094,7 +13045,7 @@
   <p:cSld>
     <p:spTree>
       <p:nvGrpSpPr>
-        <p:cNvPr id="173" name="Shape 173"/>
+        <p:cNvPr id="174" name="Shape 174"/>
         <p:cNvGrpSpPr/>
         <p:nvPr/>
       </p:nvGrpSpPr>
@@ -12108,7 +13059,7 @@
       </p:grpSpPr>
       <p:sp>
         <p:nvSpPr>
-          <p:cNvPr id="174" name="Google Shape;174;p19"/>
+          <p:cNvPr id="175" name="Google Shape;175;p19"/>
           <p:cNvSpPr txBox="1"/>
           <p:nvPr>
             <p:ph type="title"/>
@@ -12147,7 +13098,7 @@
       </p:sp>
       <p:sp>
         <p:nvSpPr>
-          <p:cNvPr id="175" name="Google Shape;175;p19"/>
+          <p:cNvPr id="176" name="Google Shape;176;p19"/>
           <p:cNvSpPr txBox="1"/>
           <p:nvPr>
             <p:ph idx="1" type="body"/>
@@ -12186,7 +13137,7 @@
       </p:sp>
       <p:pic>
         <p:nvPicPr>
-          <p:cNvPr id="176" name="Google Shape;176;p19"/>
+          <p:cNvPr id="177" name="Google Shape;177;p19"/>
           <p:cNvPicPr preferRelativeResize="0"/>
           <p:nvPr/>
         </p:nvPicPr>
@@ -12225,7 +13176,7 @@
   <p:cSld>
     <p:spTree>
       <p:nvGrpSpPr>
-        <p:cNvPr id="180" name="Shape 180"/>
+        <p:cNvPr id="181" name="Shape 181"/>
         <p:cNvGrpSpPr/>
         <p:nvPr/>
       </p:nvGrpSpPr>
@@ -12239,7 +13190,7 @@
       </p:grpSpPr>
       <p:sp>
         <p:nvSpPr>
-          <p:cNvPr id="181" name="Google Shape;181;p20"/>
+          <p:cNvPr id="182" name="Google Shape;182;p20"/>
           <p:cNvSpPr txBox="1"/>
           <p:nvPr>
             <p:ph type="title"/>
@@ -12278,7 +13229,7 @@
       </p:sp>
       <p:sp>
         <p:nvSpPr>
-          <p:cNvPr id="182" name="Google Shape;182;p20"/>
+          <p:cNvPr id="183" name="Google Shape;183;p20"/>
           <p:cNvSpPr txBox="1"/>
           <p:nvPr>
             <p:ph idx="1" type="body"/>
@@ -12317,7 +13268,7 @@
       </p:sp>
       <p:pic>
         <p:nvPicPr>
-          <p:cNvPr id="183" name="Google Shape;183;p20"/>
+          <p:cNvPr id="184" name="Google Shape;184;p20"/>
           <p:cNvPicPr preferRelativeResize="0"/>
           <p:nvPr/>
         </p:nvPicPr>
@@ -12345,7 +13296,7 @@
       </p:pic>
       <p:cxnSp>
         <p:nvCxnSpPr>
-          <p:cNvPr id="184" name="Google Shape;184;p20"/>
+          <p:cNvPr id="185" name="Google Shape;185;p20"/>
           <p:cNvCxnSpPr/>
           <p:nvPr/>
         </p:nvCxnSpPr>
@@ -12371,7 +13322,7 @@
       </p:cxnSp>
       <p:sp>
         <p:nvSpPr>
-          <p:cNvPr id="185" name="Google Shape;185;p20"/>
+          <p:cNvPr id="186" name="Google Shape;186;p20"/>
           <p:cNvSpPr txBox="1"/>
           <p:nvPr/>
         </p:nvSpPr>
@@ -12440,7 +13391,7 @@
   <p:cSld>
     <p:spTree>
       <p:nvGrpSpPr>
-        <p:cNvPr id="189" name="Shape 189"/>
+        <p:cNvPr id="190" name="Shape 190"/>
         <p:cNvGrpSpPr/>
         <p:nvPr/>
       </p:nvGrpSpPr>
@@ -12454,7 +13405,7 @@
       </p:grpSpPr>
       <p:sp>
         <p:nvSpPr>
-          <p:cNvPr id="190" name="Google Shape;190;p21"/>
+          <p:cNvPr id="191" name="Google Shape;191;p21"/>
           <p:cNvSpPr txBox="1"/>
           <p:nvPr>
             <p:ph type="title"/>
@@ -12486,7 +13437,7 @@
             </a:pPr>
             <a:r>
               <a:rPr lang="de"/>
-              <a:t>NMS importieren</a:t>
+              <a:t>Wie bekommen wir NMS?</a:t>
             </a:r>
             <a:endParaRPr/>
           </a:p>
@@ -12494,7 +13445,7 @@
       </p:sp>
       <p:sp>
         <p:nvSpPr>
-          <p:cNvPr id="191" name="Google Shape;191;p21"/>
+          <p:cNvPr id="192" name="Google Shape;192;p21"/>
           <p:cNvSpPr txBox="1"/>
           <p:nvPr>
             <p:ph idx="1" type="body"/>
@@ -12990,7 +13941,7 @@
       </p:sp>
       <p:sp>
         <p:nvSpPr>
-          <p:cNvPr id="192" name="Google Shape;192;p21"/>
+          <p:cNvPr id="193" name="Google Shape;193;p21"/>
           <p:cNvSpPr txBox="1"/>
           <p:nvPr>
             <p:ph idx="2" type="body"/>
@@ -13484,7 +14435,7 @@
       </p:sp>
       <p:cxnSp>
         <p:nvCxnSpPr>
-          <p:cNvPr id="193" name="Google Shape;193;p21"/>
+          <p:cNvPr id="194" name="Google Shape;194;p21"/>
           <p:cNvCxnSpPr/>
           <p:nvPr/>
         </p:nvCxnSpPr>
@@ -13510,7 +14461,7 @@
       </p:cxnSp>
       <p:pic>
         <p:nvPicPr>
-          <p:cNvPr id="194" name="Google Shape;194;p21"/>
+          <p:cNvPr id="195" name="Google Shape;195;p21"/>
           <p:cNvPicPr preferRelativeResize="0"/>
           <p:nvPr/>
         </p:nvPicPr>
@@ -13545,6 +14496,285 @@
 </file>
 
 <file path=ppt/theme/theme1.xml><?xml version="1.0" encoding="utf-8"?>
+<a:theme xmlns:a="http://schemas.openxmlformats.org/drawingml/2006/main" xmlns:r="http://schemas.openxmlformats.org/officeDocument/2006/relationships" name="Roboto Design">
+  <a:themeElements>
+    <a:clrScheme name="Focus">
+      <a:dk1>
+        <a:srgbClr val="1B212C"/>
+      </a:dk1>
+      <a:lt1>
+        <a:srgbClr val="FFFFFF"/>
+      </a:lt1>
+      <a:dk2>
+        <a:srgbClr val="D9D9D9"/>
+      </a:dk2>
+      <a:lt2>
+        <a:srgbClr val="82C7A5"/>
+      </a:lt2>
+      <a:accent1>
+        <a:srgbClr val="0145AC"/>
+      </a:accent1>
+      <a:accent2>
+        <a:srgbClr val="EECE1A"/>
+      </a:accent2>
+      <a:accent3>
+        <a:srgbClr val="4E5567"/>
+      </a:accent3>
+      <a:accent4>
+        <a:srgbClr val="F4D6AD"/>
+      </a:accent4>
+      <a:accent5>
+        <a:srgbClr val="7890CD"/>
+      </a:accent5>
+      <a:accent6>
+        <a:srgbClr val="F15E22"/>
+      </a:accent6>
+      <a:hlink>
+        <a:srgbClr val="7890CD"/>
+      </a:hlink>
+      <a:folHlink>
+        <a:srgbClr val="7890CD"/>
+      </a:folHlink>
+    </a:clrScheme>
+    <a:fontScheme name="Office">
+      <a:majorFont>
+        <a:latin typeface="Arial"/>
+        <a:ea typeface=""/>
+        <a:cs typeface=""/>
+        <a:font script="Jpan" typeface="ＭＳ Ｐゴシック"/>
+        <a:font script="Hang" typeface="맑은 고딕"/>
+        <a:font script="Hans" typeface="宋体"/>
+        <a:font script="Hant" typeface="新細明體"/>
+        <a:font script="Arab" typeface="Times New Roman"/>
+        <a:font script="Hebr" typeface="Times New Roman"/>
+        <a:font script="Thai" typeface="Angsana New"/>
+        <a:font script="Ethi" typeface="Nyala"/>
+        <a:font script="Beng" typeface="Vrinda"/>
+        <a:font script="Gujr" typeface="Shruti"/>
+        <a:font script="Khmr" typeface="MoolBoran"/>
+        <a:font script="Knda" typeface="Tunga"/>
+        <a:font script="Guru" typeface="Raavi"/>
+        <a:font script="Cans" typeface="Euphemia"/>
+        <a:font script="Cher" typeface="Plantagenet Cherokee"/>
+        <a:font script="Yiii" typeface="Microsoft Yi Baiti"/>
+        <a:font script="Tibt" typeface="Microsoft Himalaya"/>
+        <a:font script="Thaa" typeface="MV Boli"/>
+        <a:font script="Deva" typeface="Mangal"/>
+        <a:font script="Telu" typeface="Gautami"/>
+        <a:font script="Taml" typeface="Latha"/>
+        <a:font script="Syrc" typeface="Estrangelo Edessa"/>
+        <a:font script="Orya" typeface="Kalinga"/>
+        <a:font script="Mlym" typeface="Kartika"/>
+        <a:font script="Laoo" typeface="DokChampa"/>
+        <a:font script="Sinh" typeface="Iskoola Pota"/>
+        <a:font script="Mong" typeface="Mongolian Baiti"/>
+        <a:font script="Viet" typeface="Times New Roman"/>
+        <a:font script="Uigh" typeface="Microsoft Uighur"/>
+        <a:font script="Geor" typeface="Sylfaen"/>
+      </a:majorFont>
+      <a:minorFont>
+        <a:latin typeface="Arial"/>
+        <a:ea typeface=""/>
+        <a:cs typeface=""/>
+        <a:font script="Jpan" typeface="ＭＳ Ｐゴシック"/>
+        <a:font script="Hang" typeface="맑은 고딕"/>
+        <a:font script="Hans" typeface="宋体"/>
+        <a:font script="Hant" typeface="新細明體"/>
+        <a:font script="Arab" typeface="Arial"/>
+        <a:font script="Hebr" typeface="Arial"/>
+        <a:font script="Thai" typeface="Cordia New"/>
+        <a:font script="Ethi" typeface="Nyala"/>
+        <a:font script="Beng" typeface="Vrinda"/>
+        <a:font script="Gujr" typeface="Shruti"/>
+        <a:font script="Khmr" typeface="DaunPenh"/>
+        <a:font script="Knda" typeface="Tunga"/>
+        <a:font script="Guru" typeface="Raavi"/>
+        <a:font script="Cans" typeface="Euphemia"/>
+        <a:font script="Cher" typeface="Plantagenet Cherokee"/>
+        <a:font script="Yiii" typeface="Microsoft Yi Baiti"/>
+        <a:font script="Tibt" typeface="Microsoft Himalaya"/>
+        <a:font script="Thaa" typeface="MV Boli"/>
+        <a:font script="Deva" typeface="Mangal"/>
+        <a:font script="Telu" typeface="Gautami"/>
+        <a:font script="Taml" typeface="Latha"/>
+        <a:font script="Syrc" typeface="Estrangelo Edessa"/>
+        <a:font script="Orya" typeface="Kalinga"/>
+        <a:font script="Mlym" typeface="Kartika"/>
+        <a:font script="Laoo" typeface="DokChampa"/>
+        <a:font script="Sinh" typeface="Iskoola Pota"/>
+        <a:font script="Mong" typeface="Mongolian Baiti"/>
+        <a:font script="Viet" typeface="Arial"/>
+        <a:font script="Uigh" typeface="Microsoft Uighur"/>
+        <a:font script="Geor" typeface="Sylfaen"/>
+      </a:minorFont>
+    </a:fontScheme>
+    <a:fmtScheme name="Office">
+      <a:fillStyleLst>
+        <a:solidFill>
+          <a:schemeClr val="phClr"/>
+        </a:solidFill>
+        <a:gradFill rotWithShape="1">
+          <a:gsLst>
+            <a:gs pos="0">
+              <a:schemeClr val="phClr">
+                <a:tint val="50000"/>
+                <a:satMod val="300000"/>
+              </a:schemeClr>
+            </a:gs>
+            <a:gs pos="35000">
+              <a:schemeClr val="phClr">
+                <a:tint val="37000"/>
+                <a:satMod val="300000"/>
+              </a:schemeClr>
+            </a:gs>
+            <a:gs pos="100000">
+              <a:schemeClr val="phClr">
+                <a:tint val="15000"/>
+                <a:satMod val="350000"/>
+              </a:schemeClr>
+            </a:gs>
+          </a:gsLst>
+          <a:lin ang="16200000" scaled="1"/>
+        </a:gradFill>
+        <a:gradFill rotWithShape="1">
+          <a:gsLst>
+            <a:gs pos="0">
+              <a:schemeClr val="phClr">
+                <a:tint val="100000"/>
+                <a:shade val="100000"/>
+                <a:satMod val="130000"/>
+              </a:schemeClr>
+            </a:gs>
+            <a:gs pos="100000">
+              <a:schemeClr val="phClr">
+                <a:tint val="50000"/>
+                <a:shade val="100000"/>
+                <a:satMod val="350000"/>
+              </a:schemeClr>
+            </a:gs>
+          </a:gsLst>
+          <a:lin ang="16200000" scaled="0"/>
+        </a:gradFill>
+      </a:fillStyleLst>
+      <a:lnStyleLst>
+        <a:ln w="9525" cap="flat" cmpd="sng" algn="ctr">
+          <a:solidFill>
+            <a:schemeClr val="phClr">
+              <a:shade val="95000"/>
+              <a:satMod val="105000"/>
+            </a:schemeClr>
+          </a:solidFill>
+          <a:prstDash val="solid"/>
+        </a:ln>
+        <a:ln w="25400" cap="flat" cmpd="sng" algn="ctr">
+          <a:solidFill>
+            <a:schemeClr val="phClr"/>
+          </a:solidFill>
+          <a:prstDash val="solid"/>
+        </a:ln>
+        <a:ln w="38100" cap="flat" cmpd="sng" algn="ctr">
+          <a:solidFill>
+            <a:schemeClr val="phClr"/>
+          </a:solidFill>
+          <a:prstDash val="solid"/>
+        </a:ln>
+      </a:lnStyleLst>
+      <a:effectStyleLst>
+        <a:effectStyle>
+          <a:effectLst>
+            <a:outerShdw blurRad="40000" dist="20000" dir="5400000" rotWithShape="0">
+              <a:srgbClr val="000000">
+                <a:alpha val="38000"/>
+              </a:srgbClr>
+            </a:outerShdw>
+          </a:effectLst>
+        </a:effectStyle>
+        <a:effectStyle>
+          <a:effectLst>
+            <a:outerShdw blurRad="40000" dist="23000" dir="5400000" rotWithShape="0">
+              <a:srgbClr val="000000">
+                <a:alpha val="35000"/>
+              </a:srgbClr>
+            </a:outerShdw>
+          </a:effectLst>
+        </a:effectStyle>
+        <a:effectStyle>
+          <a:effectLst>
+            <a:outerShdw blurRad="40000" dist="23000" dir="5400000" rotWithShape="0">
+              <a:srgbClr val="000000">
+                <a:alpha val="35000"/>
+              </a:srgbClr>
+            </a:outerShdw>
+          </a:effectLst>
+          <a:scene3d>
+            <a:camera prst="orthographicFront">
+              <a:rot lat="0" lon="0" rev="0"/>
+            </a:camera>
+            <a:lightRig rig="threePt" dir="t">
+              <a:rot lat="0" lon="0" rev="1200000"/>
+            </a:lightRig>
+          </a:scene3d>
+          <a:sp3d>
+            <a:bevelT w="63500" h="25400"/>
+          </a:sp3d>
+        </a:effectStyle>
+      </a:effectStyleLst>
+      <a:bgFillStyleLst>
+        <a:solidFill>
+          <a:schemeClr val="phClr"/>
+        </a:solidFill>
+        <a:gradFill rotWithShape="1">
+          <a:gsLst>
+            <a:gs pos="0">
+              <a:schemeClr val="phClr">
+                <a:tint val="40000"/>
+                <a:satMod val="350000"/>
+              </a:schemeClr>
+            </a:gs>
+            <a:gs pos="40000">
+              <a:schemeClr val="phClr">
+                <a:tint val="45000"/>
+                <a:shade val="99000"/>
+                <a:satMod val="350000"/>
+              </a:schemeClr>
+            </a:gs>
+            <a:gs pos="100000">
+              <a:schemeClr val="phClr">
+                <a:shade val="20000"/>
+                <a:satMod val="255000"/>
+              </a:schemeClr>
+            </a:gs>
+          </a:gsLst>
+          <a:path path="circle">
+            <a:fillToRect l="50000" t="-80000" r="50000" b="180000"/>
+          </a:path>
+        </a:gradFill>
+        <a:gradFill rotWithShape="1">
+          <a:gsLst>
+            <a:gs pos="0">
+              <a:schemeClr val="phClr">
+                <a:tint val="80000"/>
+                <a:satMod val="300000"/>
+              </a:schemeClr>
+            </a:gs>
+            <a:gs pos="100000">
+              <a:schemeClr val="phClr">
+                <a:shade val="30000"/>
+                <a:satMod val="200000"/>
+              </a:schemeClr>
+            </a:gs>
+          </a:gsLst>
+          <a:path path="circle">
+            <a:fillToRect l="50000" t="50000" r="50000" b="50000"/>
+          </a:path>
+        </a:gradFill>
+      </a:bgFillStyleLst>
+    </a:fmtScheme>
+  </a:themeElements>
+</a:theme>
+</file>
+
+<file path=ppt/theme/theme2.xml><?xml version="1.0" encoding="utf-8"?>
 <a:theme xmlns:a="http://schemas.openxmlformats.org/drawingml/2006/main" xmlns:r="http://schemas.openxmlformats.org/officeDocument/2006/relationships">
   <a:themeElements>
     <a:clrScheme name="Default">
@@ -13821,283 +15051,4 @@
     </a:fmtScheme>
   </a:themeElements>
 </a:theme>
-</file>
-
-<file path=ppt/theme/theme2.xml><?xml version="1.0" encoding="utf-8"?>
-<a:theme xmlns:a="http://schemas.openxmlformats.org/drawingml/2006/main" xmlns:r="http://schemas.openxmlformats.org/officeDocument/2006/relationships" name="Roboto Design">
-  <a:themeElements>
-    <a:clrScheme name="Focus">
-      <a:dk1>
-        <a:srgbClr val="1B212C"/>
-      </a:dk1>
-      <a:lt1>
-        <a:srgbClr val="FFFFFF"/>
-      </a:lt1>
-      <a:dk2>
-        <a:srgbClr val="D9D9D9"/>
-      </a:dk2>
-      <a:lt2>
-        <a:srgbClr val="82C7A5"/>
-      </a:lt2>
-      <a:accent1>
-        <a:srgbClr val="0145AC"/>
-      </a:accent1>
-      <a:accent2>
-        <a:srgbClr val="EECE1A"/>
-      </a:accent2>
-      <a:accent3>
-        <a:srgbClr val="4E5567"/>
-      </a:accent3>
-      <a:accent4>
-        <a:srgbClr val="F4D6AD"/>
-      </a:accent4>
-      <a:accent5>
-        <a:srgbClr val="7890CD"/>
-      </a:accent5>
-      <a:accent6>
-        <a:srgbClr val="F15E22"/>
-      </a:accent6>
-      <a:hlink>
-        <a:srgbClr val="7890CD"/>
-      </a:hlink>
-      <a:folHlink>
-        <a:srgbClr val="7890CD"/>
-      </a:folHlink>
-    </a:clrScheme>
-    <a:fontScheme name="Office">
-      <a:majorFont>
-        <a:latin typeface="Arial"/>
-        <a:ea typeface=""/>
-        <a:cs typeface=""/>
-        <a:font script="Jpan" typeface="ＭＳ Ｐゴシック"/>
-        <a:font script="Hang" typeface="맑은 고딕"/>
-        <a:font script="Hans" typeface="宋体"/>
-        <a:font script="Hant" typeface="新細明體"/>
-        <a:font script="Arab" typeface="Times New Roman"/>
-        <a:font script="Hebr" typeface="Times New Roman"/>
-        <a:font script="Thai" typeface="Angsana New"/>
-        <a:font script="Ethi" typeface="Nyala"/>
-        <a:font script="Beng" typeface="Vrinda"/>
-        <a:font script="Gujr" typeface="Shruti"/>
-        <a:font script="Khmr" typeface="MoolBoran"/>
-        <a:font script="Knda" typeface="Tunga"/>
-        <a:font script="Guru" typeface="Raavi"/>
-        <a:font script="Cans" typeface="Euphemia"/>
-        <a:font script="Cher" typeface="Plantagenet Cherokee"/>
-        <a:font script="Yiii" typeface="Microsoft Yi Baiti"/>
-        <a:font script="Tibt" typeface="Microsoft Himalaya"/>
-        <a:font script="Thaa" typeface="MV Boli"/>
-        <a:font script="Deva" typeface="Mangal"/>
-        <a:font script="Telu" typeface="Gautami"/>
-        <a:font script="Taml" typeface="Latha"/>
-        <a:font script="Syrc" typeface="Estrangelo Edessa"/>
-        <a:font script="Orya" typeface="Kalinga"/>
-        <a:font script="Mlym" typeface="Kartika"/>
-        <a:font script="Laoo" typeface="DokChampa"/>
-        <a:font script="Sinh" typeface="Iskoola Pota"/>
-        <a:font script="Mong" typeface="Mongolian Baiti"/>
-        <a:font script="Viet" typeface="Times New Roman"/>
-        <a:font script="Uigh" typeface="Microsoft Uighur"/>
-        <a:font script="Geor" typeface="Sylfaen"/>
-      </a:majorFont>
-      <a:minorFont>
-        <a:latin typeface="Arial"/>
-        <a:ea typeface=""/>
-        <a:cs typeface=""/>
-        <a:font script="Jpan" typeface="ＭＳ Ｐゴシック"/>
-        <a:font script="Hang" typeface="맑은 고딕"/>
-        <a:font script="Hans" typeface="宋体"/>
-        <a:font script="Hant" typeface="新細明體"/>
-        <a:font script="Arab" typeface="Arial"/>
-        <a:font script="Hebr" typeface="Arial"/>
-        <a:font script="Thai" typeface="Cordia New"/>
-        <a:font script="Ethi" typeface="Nyala"/>
-        <a:font script="Beng" typeface="Vrinda"/>
-        <a:font script="Gujr" typeface="Shruti"/>
-        <a:font script="Khmr" typeface="DaunPenh"/>
-        <a:font script="Knda" typeface="Tunga"/>
-        <a:font script="Guru" typeface="Raavi"/>
-        <a:font script="Cans" typeface="Euphemia"/>
-        <a:font script="Cher" typeface="Plantagenet Cherokee"/>
-        <a:font script="Yiii" typeface="Microsoft Yi Baiti"/>
-        <a:font script="Tibt" typeface="Microsoft Himalaya"/>
-        <a:font script="Thaa" typeface="MV Boli"/>
-        <a:font script="Deva" typeface="Mangal"/>
-        <a:font script="Telu" typeface="Gautami"/>
-        <a:font script="Taml" typeface="Latha"/>
-        <a:font script="Syrc" typeface="Estrangelo Edessa"/>
-        <a:font script="Orya" typeface="Kalinga"/>
-        <a:font script="Mlym" typeface="Kartika"/>
-        <a:font script="Laoo" typeface="DokChampa"/>
-        <a:font script="Sinh" typeface="Iskoola Pota"/>
-        <a:font script="Mong" typeface="Mongolian Baiti"/>
-        <a:font script="Viet" typeface="Arial"/>
-        <a:font script="Uigh" typeface="Microsoft Uighur"/>
-        <a:font script="Geor" typeface="Sylfaen"/>
-      </a:minorFont>
-    </a:fontScheme>
-    <a:fmtScheme name="Office">
-      <a:fillStyleLst>
-        <a:solidFill>
-          <a:schemeClr val="phClr"/>
-        </a:solidFill>
-        <a:gradFill rotWithShape="1">
-          <a:gsLst>
-            <a:gs pos="0">
-              <a:schemeClr val="phClr">
-                <a:tint val="50000"/>
-                <a:satMod val="300000"/>
-              </a:schemeClr>
-            </a:gs>
-            <a:gs pos="35000">
-              <a:schemeClr val="phClr">
-                <a:tint val="37000"/>
-                <a:satMod val="300000"/>
-              </a:schemeClr>
-            </a:gs>
-            <a:gs pos="100000">
-              <a:schemeClr val="phClr">
-                <a:tint val="15000"/>
-                <a:satMod val="350000"/>
-              </a:schemeClr>
-            </a:gs>
-          </a:gsLst>
-          <a:lin ang="16200000" scaled="1"/>
-        </a:gradFill>
-        <a:gradFill rotWithShape="1">
-          <a:gsLst>
-            <a:gs pos="0">
-              <a:schemeClr val="phClr">
-                <a:tint val="100000"/>
-                <a:shade val="100000"/>
-                <a:satMod val="130000"/>
-              </a:schemeClr>
-            </a:gs>
-            <a:gs pos="100000">
-              <a:schemeClr val="phClr">
-                <a:tint val="50000"/>
-                <a:shade val="100000"/>
-                <a:satMod val="350000"/>
-              </a:schemeClr>
-            </a:gs>
-          </a:gsLst>
-          <a:lin ang="16200000" scaled="0"/>
-        </a:gradFill>
-      </a:fillStyleLst>
-      <a:lnStyleLst>
-        <a:ln w="9525" cap="flat" cmpd="sng" algn="ctr">
-          <a:solidFill>
-            <a:schemeClr val="phClr">
-              <a:shade val="95000"/>
-              <a:satMod val="105000"/>
-            </a:schemeClr>
-          </a:solidFill>
-          <a:prstDash val="solid"/>
-        </a:ln>
-        <a:ln w="25400" cap="flat" cmpd="sng" algn="ctr">
-          <a:solidFill>
-            <a:schemeClr val="phClr"/>
-          </a:solidFill>
-          <a:prstDash val="solid"/>
-        </a:ln>
-        <a:ln w="38100" cap="flat" cmpd="sng" algn="ctr">
-          <a:solidFill>
-            <a:schemeClr val="phClr"/>
-          </a:solidFill>
-          <a:prstDash val="solid"/>
-        </a:ln>
-      </a:lnStyleLst>
-      <a:effectStyleLst>
-        <a:effectStyle>
-          <a:effectLst>
-            <a:outerShdw blurRad="40000" dist="20000" dir="5400000" rotWithShape="0">
-              <a:srgbClr val="000000">
-                <a:alpha val="38000"/>
-              </a:srgbClr>
-            </a:outerShdw>
-          </a:effectLst>
-        </a:effectStyle>
-        <a:effectStyle>
-          <a:effectLst>
-            <a:outerShdw blurRad="40000" dist="23000" dir="5400000" rotWithShape="0">
-              <a:srgbClr val="000000">
-                <a:alpha val="35000"/>
-              </a:srgbClr>
-            </a:outerShdw>
-          </a:effectLst>
-        </a:effectStyle>
-        <a:effectStyle>
-          <a:effectLst>
-            <a:outerShdw blurRad="40000" dist="23000" dir="5400000" rotWithShape="0">
-              <a:srgbClr val="000000">
-                <a:alpha val="35000"/>
-              </a:srgbClr>
-            </a:outerShdw>
-          </a:effectLst>
-          <a:scene3d>
-            <a:camera prst="orthographicFront">
-              <a:rot lat="0" lon="0" rev="0"/>
-            </a:camera>
-            <a:lightRig rig="threePt" dir="t">
-              <a:rot lat="0" lon="0" rev="1200000"/>
-            </a:lightRig>
-          </a:scene3d>
-          <a:sp3d>
-            <a:bevelT w="63500" h="25400"/>
-          </a:sp3d>
-        </a:effectStyle>
-      </a:effectStyleLst>
-      <a:bgFillStyleLst>
-        <a:solidFill>
-          <a:schemeClr val="phClr"/>
-        </a:solidFill>
-        <a:gradFill rotWithShape="1">
-          <a:gsLst>
-            <a:gs pos="0">
-              <a:schemeClr val="phClr">
-                <a:tint val="40000"/>
-                <a:satMod val="350000"/>
-              </a:schemeClr>
-            </a:gs>
-            <a:gs pos="40000">
-              <a:schemeClr val="phClr">
-                <a:tint val="45000"/>
-                <a:shade val="99000"/>
-                <a:satMod val="350000"/>
-              </a:schemeClr>
-            </a:gs>
-            <a:gs pos="100000">
-              <a:schemeClr val="phClr">
-                <a:shade val="20000"/>
-                <a:satMod val="255000"/>
-              </a:schemeClr>
-            </a:gs>
-          </a:gsLst>
-          <a:path path="circle">
-            <a:fillToRect l="50000" t="-80000" r="50000" b="180000"/>
-          </a:path>
-        </a:gradFill>
-        <a:gradFill rotWithShape="1">
-          <a:gsLst>
-            <a:gs pos="0">
-              <a:schemeClr val="phClr">
-                <a:tint val="80000"/>
-                <a:satMod val="300000"/>
-              </a:schemeClr>
-            </a:gs>
-            <a:gs pos="100000">
-              <a:schemeClr val="phClr">
-                <a:shade val="30000"/>
-                <a:satMod val="200000"/>
-              </a:schemeClr>
-            </a:gs>
-          </a:gsLst>
-          <a:path path="circle">
-            <a:fillToRect l="50000" t="50000" r="50000" b="50000"/>
-          </a:path>
-        </a:gradFill>
-      </a:bgFillStyleLst>
-    </a:fmtScheme>
-  </a:themeElements>
-</a:theme>
 </file>
--- a/documentation/AI4Kids_presentation1_NPC.pptx
+++ b/documentation/AI4Kids_presentation1_NPC.pptx
@@ -10687,7 +10687,19 @@
             </a:pPr>
             <a:r>
               <a:rPr lang="de"/>
-              <a:t>Rechtsklick auf die NPCPlugin Datei </a:t>
+              <a:t>Rechtsklick auf die </a:t>
+            </a:r>
+            <a:r>
+              <a:rPr b="1" lang="de">
+                <a:solidFill>
+                  <a:srgbClr val="FF9900"/>
+                </a:solidFill>
+              </a:rPr>
+              <a:t>NPCPlugin</a:t>
+            </a:r>
+            <a:r>
+              <a:rPr lang="de"/>
+              <a:t> Datei </a:t>
             </a:r>
             <a:endParaRPr/>
           </a:p>
@@ -10719,7 +10731,19 @@
             </a:pPr>
             <a:r>
               <a:rPr lang="de"/>
-              <a:t>Auf Reload project klicken</a:t>
+              <a:t>Auf </a:t>
+            </a:r>
+            <a:r>
+              <a:rPr b="1" lang="de">
+                <a:solidFill>
+                  <a:srgbClr val="FF9900"/>
+                </a:solidFill>
+              </a:rPr>
+              <a:t>Reload project</a:t>
+            </a:r>
+            <a:r>
+              <a:rPr lang="de"/>
+              <a:t> klicken</a:t>
             </a:r>
             <a:endParaRPr/>
           </a:p>
@@ -10915,7 +10939,31 @@
             </a:pPr>
             <a:r>
               <a:rPr lang="de"/>
-              <a:t>Unter resources plugin.yml bearbeiten</a:t>
+              <a:t>Unter </a:t>
+            </a:r>
+            <a:r>
+              <a:rPr b="1" lang="de">
+                <a:solidFill>
+                  <a:srgbClr val="FF9900"/>
+                </a:solidFill>
+              </a:rPr>
+              <a:t>resources</a:t>
+            </a:r>
+            <a:r>
+              <a:rPr lang="de"/>
+              <a:t> -&gt; </a:t>
+            </a:r>
+            <a:r>
+              <a:rPr b="1" lang="de">
+                <a:solidFill>
+                  <a:srgbClr val="FF9900"/>
+                </a:solidFill>
+              </a:rPr>
+              <a:t>plugin.yml</a:t>
+            </a:r>
+            <a:r>
+              <a:rPr lang="de"/>
+              <a:t> bearbeiten</a:t>
             </a:r>
             <a:endParaRPr/>
           </a:p>
@@ -11213,7 +11261,7 @@
         <p:spPr>
           <a:xfrm>
             <a:off x="1988100" y="4254350"/>
-            <a:ext cx="2626500" cy="615600"/>
+            <a:ext cx="4263600" cy="400200"/>
           </a:xfrm>
           <a:prstGeom prst="rect">
             <a:avLst/>
@@ -11248,7 +11296,31 @@
                 <a:cs typeface="Lato"/>
                 <a:sym typeface="Lato"/>
               </a:rPr>
-              <a:t>Einrückung beachten (1 mal Tab)</a:t>
+              <a:t>Einrückung beachten (1 mal </a:t>
+            </a:r>
+            <a:r>
+              <a:rPr b="1" lang="de">
+                <a:solidFill>
+                  <a:srgbClr val="FF9900"/>
+                </a:solidFill>
+                <a:latin typeface="Lato"/>
+                <a:ea typeface="Lato"/>
+                <a:cs typeface="Lato"/>
+                <a:sym typeface="Lato"/>
+              </a:rPr>
+              <a:t>Tab</a:t>
+            </a:r>
+            <a:r>
+              <a:rPr lang="de">
+                <a:solidFill>
+                  <a:schemeClr val="lt1"/>
+                </a:solidFill>
+                <a:latin typeface="Lato"/>
+                <a:ea typeface="Lato"/>
+                <a:cs typeface="Lato"/>
+                <a:sym typeface="Lato"/>
+              </a:rPr>
+              <a:t> drücken)</a:t>
             </a:r>
             <a:endParaRPr>
               <a:solidFill>
@@ -11517,7 +11589,23 @@
             </a:pPr>
             <a:r>
               <a:rPr lang="de"/>
-              <a:t>Die Main Klasse ist unsere Einstiegspunkt</a:t>
+              <a:t>Die </a:t>
+            </a:r>
+            <a:r>
+              <a:rPr b="1" lang="de">
+                <a:solidFill>
+                  <a:srgbClr val="FF9900"/>
+                </a:solidFill>
+              </a:rPr>
+              <a:t>Main</a:t>
+            </a:r>
+            <a:r>
+              <a:rPr b="1" lang="de"/>
+              <a:t> </a:t>
+            </a:r>
+            <a:r>
+              <a:rPr lang="de"/>
+              <a:t>Klasse ist unsere Einstiegspunkt</a:t>
             </a:r>
             <a:endParaRPr/>
           </a:p>
@@ -11549,7 +11637,19 @@
             </a:pPr>
             <a:r>
               <a:rPr lang="de"/>
-              <a:t>Was wurde noch in der Main Klasse gemacht?</a:t>
+              <a:t>Was wurde noch in der </a:t>
+            </a:r>
+            <a:r>
+              <a:rPr b="1" lang="de">
+                <a:solidFill>
+                  <a:srgbClr val="FF9900"/>
+                </a:solidFill>
+              </a:rPr>
+              <a:t>Main</a:t>
+            </a:r>
+            <a:r>
+              <a:rPr lang="de"/>
+              <a:t> Klasse gemacht?</a:t>
             </a:r>
             <a:endParaRPr/>
           </a:p>
@@ -11655,7 +11755,11 @@
             </a:pPr>
             <a:r>
               <a:rPr lang="de"/>
-              <a:t>Diese Klasse ist nötig um den Server zu sagen was passiert bei einem neuen Spieler</a:t>
+              <a:t>Diese Klasse ist nötig, um den Server zu sagen, was bei einem neuen Spieler </a:t>
+            </a:r>
+            <a:r>
+              <a:rPr lang="de"/>
+              <a:t>passiert </a:t>
             </a:r>
             <a:endParaRPr/>
           </a:p>
@@ -12731,7 +12835,7 @@
             </a:pPr>
             <a:r>
               <a:rPr lang="de"/>
-              <a:t>Datei die den Befehl beim Server registriert</a:t>
+              <a:t>Datei, die den Befehl beim Server registriert</a:t>
             </a:r>
             <a:endParaRPr/>
           </a:p>
